--- a/1lb/from confluence/KIA.pptx
+++ b/1lb/from confluence/KIA.pptx
@@ -234,7 +234,7 @@
   </p:defaultTextStyle>
   <p:extLst>
     <p:ext uri="{EFAFB233-063F-42B5-8137-9DF3F51BA10A}">
-      <p15:sldGuideLst xmlns="" xmlns:p15="http://schemas.microsoft.com/office/powerpoint/2012/main">
+      <p15:sldGuideLst xmlns:p15="http://schemas.microsoft.com/office/powerpoint/2012/main" xmlns="">
         <p15:guide id="1" orient="horz" pos="2160">
           <p15:clr>
             <a:srgbClr val="A4A3A4"/>
@@ -625,7 +625,7 @@
     </p:spTree>
     <p:extLst>
       <p:ext uri="{BB962C8B-B14F-4D97-AF65-F5344CB8AC3E}">
-        <p14:creationId xmlns="" xmlns:p14="http://schemas.microsoft.com/office/powerpoint/2010/main" val="1852712251"/>
+        <p14:creationId xmlns:p14="http://schemas.microsoft.com/office/powerpoint/2010/main" xmlns="" val="1852712251"/>
       </p:ext>
     </p:extLst>
   </p:cSld>
@@ -805,7 +805,7 @@
     </p:spTree>
     <p:extLst>
       <p:ext uri="{BB962C8B-B14F-4D97-AF65-F5344CB8AC3E}">
-        <p14:creationId xmlns="" xmlns:p14="http://schemas.microsoft.com/office/powerpoint/2010/main" val="3035690805"/>
+        <p14:creationId xmlns:p14="http://schemas.microsoft.com/office/powerpoint/2010/main" xmlns="" val="3035690805"/>
       </p:ext>
     </p:extLst>
   </p:cSld>
@@ -982,7 +982,7 @@
           <a:blip r:embed="rId2" cstate="email">
             <a:extLst>
               <a:ext uri="{28A0092B-C50C-407E-A947-70E740481C1C}">
-                <a14:useLocalDpi xmlns="" xmlns:a14="http://schemas.microsoft.com/office/drawing/2010/main"/>
+                <a14:useLocalDpi xmlns:a14="http://schemas.microsoft.com/office/drawing/2010/main" xmlns=""/>
               </a:ext>
             </a:extLst>
           </a:blip>
@@ -1012,7 +1012,7 @@
           <a:blip r:embed="rId3" cstate="email">
             <a:extLst>
               <a:ext uri="{28A0092B-C50C-407E-A947-70E740481C1C}">
-                <a14:useLocalDpi xmlns="" xmlns:a14="http://schemas.microsoft.com/office/drawing/2010/main"/>
+                <a14:useLocalDpi xmlns:a14="http://schemas.microsoft.com/office/drawing/2010/main" xmlns=""/>
               </a:ext>
             </a:extLst>
           </a:blip>
@@ -1234,7 +1234,7 @@
     </p:spTree>
     <p:extLst>
       <p:ext uri="{BB962C8B-B14F-4D97-AF65-F5344CB8AC3E}">
-        <p14:creationId xmlns="" xmlns:p14="http://schemas.microsoft.com/office/powerpoint/2010/main" val="1404486819"/>
+        <p14:creationId xmlns:p14="http://schemas.microsoft.com/office/powerpoint/2010/main" xmlns="" val="1404486819"/>
       </p:ext>
     </p:extLst>
   </p:cSld>
@@ -1273,7 +1273,7 @@
           <a:blip r:embed="rId2">
             <a:extLst>
               <a:ext uri="{28A0092B-C50C-407E-A947-70E740481C1C}">
-                <a14:useLocalDpi xmlns="" xmlns:a14="http://schemas.microsoft.com/office/drawing/2010/main" val="0"/>
+                <a14:useLocalDpi xmlns:a14="http://schemas.microsoft.com/office/drawing/2010/main" xmlns="" val="0"/>
               </a:ext>
             </a:extLst>
           </a:blip>
@@ -1302,7 +1302,7 @@
           <a:blip r:embed="rId3">
             <a:extLst>
               <a:ext uri="{28A0092B-C50C-407E-A947-70E740481C1C}">
-                <a14:useLocalDpi xmlns="" xmlns:a14="http://schemas.microsoft.com/office/drawing/2010/main" val="0"/>
+                <a14:useLocalDpi xmlns:a14="http://schemas.microsoft.com/office/drawing/2010/main" xmlns="" val="0"/>
               </a:ext>
             </a:extLst>
           </a:blip>
@@ -1467,7 +1467,7 @@
     </p:spTree>
     <p:extLst>
       <p:ext uri="{BB962C8B-B14F-4D97-AF65-F5344CB8AC3E}">
-        <p14:creationId xmlns="" xmlns:p14="http://schemas.microsoft.com/office/powerpoint/2010/main" val="723888896"/>
+        <p14:creationId xmlns:p14="http://schemas.microsoft.com/office/powerpoint/2010/main" xmlns="" val="723888896"/>
       </p:ext>
     </p:extLst>
   </p:cSld>
@@ -1646,7 +1646,7 @@
     </p:spTree>
     <p:extLst>
       <p:ext uri="{BB962C8B-B14F-4D97-AF65-F5344CB8AC3E}">
-        <p14:creationId xmlns="" xmlns:p14="http://schemas.microsoft.com/office/powerpoint/2010/main" val="3918021275"/>
+        <p14:creationId xmlns:p14="http://schemas.microsoft.com/office/powerpoint/2010/main" xmlns="" val="3918021275"/>
       </p:ext>
     </p:extLst>
   </p:cSld>
@@ -1708,7 +1708,7 @@
     </p:spTree>
     <p:extLst>
       <p:ext uri="{BB962C8B-B14F-4D97-AF65-F5344CB8AC3E}">
-        <p14:creationId xmlns="" xmlns:p14="http://schemas.microsoft.com/office/powerpoint/2010/main" val="1449837637"/>
+        <p14:creationId xmlns:p14="http://schemas.microsoft.com/office/powerpoint/2010/main" xmlns="" val="1449837637"/>
       </p:ext>
     </p:extLst>
   </p:cSld>
@@ -2286,7 +2286,7 @@
     </p:spTree>
     <p:extLst>
       <p:ext uri="{BB962C8B-B14F-4D97-AF65-F5344CB8AC3E}">
-        <p14:creationId xmlns="" xmlns:p14="http://schemas.microsoft.com/office/powerpoint/2010/main" val="2030628821"/>
+        <p14:creationId xmlns:p14="http://schemas.microsoft.com/office/powerpoint/2010/main" xmlns="" val="2030628821"/>
       </p:ext>
     </p:extLst>
   </p:cSld>
@@ -2295,7 +2295,7 @@
   </p:clrMapOvr>
   <p:extLst mod="1">
     <p:ext uri="{DCECCB84-F9BA-43D5-87BE-67443E8EF086}">
-      <p15:sldGuideLst xmlns="" xmlns:p15="http://schemas.microsoft.com/office/powerpoint/2012/main"/>
+      <p15:sldGuideLst xmlns:p15="http://schemas.microsoft.com/office/powerpoint/2012/main" xmlns=""/>
     </p:ext>
   </p:extLst>
 </p:sldLayout>
@@ -2829,7 +2829,7 @@
     </p:spTree>
     <p:extLst>
       <p:ext uri="{BB962C8B-B14F-4D97-AF65-F5344CB8AC3E}">
-        <p14:creationId xmlns="" xmlns:p14="http://schemas.microsoft.com/office/powerpoint/2010/main" val="3202511366"/>
+        <p14:creationId xmlns:p14="http://schemas.microsoft.com/office/powerpoint/2010/main" xmlns="" val="3202511366"/>
       </p:ext>
     </p:extLst>
   </p:cSld>
@@ -3443,7 +3443,7 @@
     </p:spTree>
     <p:extLst>
       <p:ext uri="{BB962C8B-B14F-4D97-AF65-F5344CB8AC3E}">
-        <p14:creationId xmlns="" xmlns:p14="http://schemas.microsoft.com/office/powerpoint/2010/main" val="1833300087"/>
+        <p14:creationId xmlns:p14="http://schemas.microsoft.com/office/powerpoint/2010/main" xmlns="" val="1833300087"/>
       </p:ext>
     </p:extLst>
   </p:cSld>
@@ -3920,7 +3920,7 @@
     </p:spTree>
     <p:extLst>
       <p:ext uri="{BB962C8B-B14F-4D97-AF65-F5344CB8AC3E}">
-        <p14:creationId xmlns="" xmlns:p14="http://schemas.microsoft.com/office/powerpoint/2010/main" val="2628957475"/>
+        <p14:creationId xmlns:p14="http://schemas.microsoft.com/office/powerpoint/2010/main" xmlns="" val="2628957475"/>
       </p:ext>
     </p:extLst>
   </p:cSld>
@@ -4080,7 +4080,7 @@
               <a:pPr>
                 <a:defRPr/>
               </a:pPr>
-              <a:t>1/31/2017</a:t>
+              <a:t>5/25/2017</a:t>
             </a:fld>
             <a:endParaRPr lang="en-US" sz="1800" kern="1200"/>
           </a:p>
@@ -4182,7 +4182,7 @@
     </p:spTree>
     <p:extLst>
       <p:ext uri="{BB962C8B-B14F-4D97-AF65-F5344CB8AC3E}">
-        <p14:creationId xmlns="" xmlns:p14="http://schemas.microsoft.com/office/powerpoint/2010/main" val="2407574386"/>
+        <p14:creationId xmlns:p14="http://schemas.microsoft.com/office/powerpoint/2010/main" xmlns="" val="2407574386"/>
       </p:ext>
     </p:extLst>
   </p:cSld>
@@ -4319,7 +4319,7 @@
     </p:spTree>
     <p:extLst>
       <p:ext uri="{BB962C8B-B14F-4D97-AF65-F5344CB8AC3E}">
-        <p14:creationId xmlns="" xmlns:p14="http://schemas.microsoft.com/office/powerpoint/2010/main" val="4110133685"/>
+        <p14:creationId xmlns:p14="http://schemas.microsoft.com/office/powerpoint/2010/main" xmlns="" val="4110133685"/>
       </p:ext>
     </p:extLst>
   </p:cSld>
@@ -4496,7 +4496,7 @@
           <a:blip r:embed="rId2" cstate="email">
             <a:extLst>
               <a:ext uri="{28A0092B-C50C-407E-A947-70E740481C1C}">
-                <a14:useLocalDpi xmlns="" xmlns:a14="http://schemas.microsoft.com/office/drawing/2010/main"/>
+                <a14:useLocalDpi xmlns:a14="http://schemas.microsoft.com/office/drawing/2010/main" xmlns=""/>
               </a:ext>
             </a:extLst>
           </a:blip>
@@ -4656,7 +4656,7 @@
           <a:blip r:embed="rId3" cstate="email">
             <a:extLst>
               <a:ext uri="{28A0092B-C50C-407E-A947-70E740481C1C}">
-                <a14:useLocalDpi xmlns="" xmlns:a14="http://schemas.microsoft.com/office/drawing/2010/main"/>
+                <a14:useLocalDpi xmlns:a14="http://schemas.microsoft.com/office/drawing/2010/main" xmlns=""/>
               </a:ext>
             </a:extLst>
           </a:blip>
@@ -4839,7 +4839,7 @@
     </p:spTree>
     <p:extLst>
       <p:ext uri="{BB962C8B-B14F-4D97-AF65-F5344CB8AC3E}">
-        <p14:creationId xmlns="" xmlns:p14="http://schemas.microsoft.com/office/powerpoint/2010/main" val="1010549313"/>
+        <p14:creationId xmlns:p14="http://schemas.microsoft.com/office/powerpoint/2010/main" xmlns="" val="1010549313"/>
       </p:ext>
     </p:extLst>
   </p:cSld>
@@ -4878,7 +4878,7 @@
           <a:blip r:embed="rId2" cstate="email">
             <a:extLst>
               <a:ext uri="{28A0092B-C50C-407E-A947-70E740481C1C}">
-                <a14:useLocalDpi xmlns="" xmlns:a14="http://schemas.microsoft.com/office/drawing/2010/main"/>
+                <a14:useLocalDpi xmlns:a14="http://schemas.microsoft.com/office/drawing/2010/main" xmlns=""/>
               </a:ext>
             </a:extLst>
           </a:blip>
@@ -5027,7 +5027,7 @@
     </p:spTree>
     <p:extLst>
       <p:ext uri="{BB962C8B-B14F-4D97-AF65-F5344CB8AC3E}">
-        <p14:creationId xmlns="" xmlns:p14="http://schemas.microsoft.com/office/powerpoint/2010/main" val="2351890838"/>
+        <p14:creationId xmlns:p14="http://schemas.microsoft.com/office/powerpoint/2010/main" xmlns="" val="2351890838"/>
       </p:ext>
     </p:extLst>
   </p:cSld>
@@ -5066,7 +5066,7 @@
           <a:blip r:embed="rId2">
             <a:extLst>
               <a:ext uri="{28A0092B-C50C-407E-A947-70E740481C1C}">
-                <a14:useLocalDpi xmlns="" xmlns:a14="http://schemas.microsoft.com/office/drawing/2010/main" val="0"/>
+                <a14:useLocalDpi xmlns:a14="http://schemas.microsoft.com/office/drawing/2010/main" xmlns="" val="0"/>
               </a:ext>
             </a:extLst>
           </a:blip>
@@ -5216,7 +5216,7 @@
     </p:spTree>
     <p:extLst>
       <p:ext uri="{BB962C8B-B14F-4D97-AF65-F5344CB8AC3E}">
-        <p14:creationId xmlns="" xmlns:p14="http://schemas.microsoft.com/office/powerpoint/2010/main" val="326268351"/>
+        <p14:creationId xmlns:p14="http://schemas.microsoft.com/office/powerpoint/2010/main" xmlns="" val="326268351"/>
       </p:ext>
     </p:extLst>
   </p:cSld>
@@ -5393,7 +5393,7 @@
           <a:blip r:embed="rId2">
             <a:extLst>
               <a:ext uri="{28A0092B-C50C-407E-A947-70E740481C1C}">
-                <a14:useLocalDpi xmlns="" xmlns:a14="http://schemas.microsoft.com/office/drawing/2010/main" val="0"/>
+                <a14:useLocalDpi xmlns:a14="http://schemas.microsoft.com/office/drawing/2010/main" xmlns="" val="0"/>
               </a:ext>
             </a:extLst>
           </a:blip>
@@ -5423,7 +5423,7 @@
           <a:blip r:embed="rId3">
             <a:extLst>
               <a:ext uri="{28A0092B-C50C-407E-A947-70E740481C1C}">
-                <a14:useLocalDpi xmlns="" xmlns:a14="http://schemas.microsoft.com/office/drawing/2010/main" val="0"/>
+                <a14:useLocalDpi xmlns:a14="http://schemas.microsoft.com/office/drawing/2010/main" xmlns="" val="0"/>
               </a:ext>
             </a:extLst>
           </a:blip>
@@ -5645,7 +5645,7 @@
     </p:spTree>
     <p:extLst>
       <p:ext uri="{BB962C8B-B14F-4D97-AF65-F5344CB8AC3E}">
-        <p14:creationId xmlns="" xmlns:p14="http://schemas.microsoft.com/office/powerpoint/2010/main" val="2991915138"/>
+        <p14:creationId xmlns:p14="http://schemas.microsoft.com/office/powerpoint/2010/main" xmlns="" val="2991915138"/>
       </p:ext>
     </p:extLst>
   </p:cSld>
@@ -5822,7 +5822,7 @@
           <a:blip r:embed="rId2">
             <a:extLst>
               <a:ext uri="{28A0092B-C50C-407E-A947-70E740481C1C}">
-                <a14:useLocalDpi xmlns="" xmlns:a14="http://schemas.microsoft.com/office/drawing/2010/main" val="0"/>
+                <a14:useLocalDpi xmlns:a14="http://schemas.microsoft.com/office/drawing/2010/main" xmlns="" val="0"/>
               </a:ext>
             </a:extLst>
           </a:blip>
@@ -5982,7 +5982,7 @@
           <a:blip r:embed="rId3">
             <a:extLst>
               <a:ext uri="{28A0092B-C50C-407E-A947-70E740481C1C}">
-                <a14:useLocalDpi xmlns="" xmlns:a14="http://schemas.microsoft.com/office/drawing/2010/main" val="0"/>
+                <a14:useLocalDpi xmlns:a14="http://schemas.microsoft.com/office/drawing/2010/main" xmlns="" val="0"/>
               </a:ext>
             </a:extLst>
           </a:blip>
@@ -6074,7 +6074,7 @@
     </p:spTree>
     <p:extLst>
       <p:ext uri="{BB962C8B-B14F-4D97-AF65-F5344CB8AC3E}">
-        <p14:creationId xmlns="" xmlns:p14="http://schemas.microsoft.com/office/powerpoint/2010/main" val="334653645"/>
+        <p14:creationId xmlns:p14="http://schemas.microsoft.com/office/powerpoint/2010/main" xmlns="" val="334653645"/>
       </p:ext>
     </p:extLst>
   </p:cSld>
@@ -6251,7 +6251,7 @@
           <a:blip r:embed="rId2">
             <a:extLst>
               <a:ext uri="{28A0092B-C50C-407E-A947-70E740481C1C}">
-                <a14:useLocalDpi xmlns="" xmlns:a14="http://schemas.microsoft.com/office/drawing/2010/main" val="0"/>
+                <a14:useLocalDpi xmlns:a14="http://schemas.microsoft.com/office/drawing/2010/main" xmlns="" val="0"/>
               </a:ext>
             </a:extLst>
           </a:blip>
@@ -6281,7 +6281,7 @@
           <a:blip r:embed="rId3">
             <a:extLst>
               <a:ext uri="{28A0092B-C50C-407E-A947-70E740481C1C}">
-                <a14:useLocalDpi xmlns="" xmlns:a14="http://schemas.microsoft.com/office/drawing/2010/main" val="0"/>
+                <a14:useLocalDpi xmlns:a14="http://schemas.microsoft.com/office/drawing/2010/main" xmlns="" val="0"/>
               </a:ext>
             </a:extLst>
           </a:blip>
@@ -6503,7 +6503,7 @@
     </p:spTree>
     <p:extLst>
       <p:ext uri="{BB962C8B-B14F-4D97-AF65-F5344CB8AC3E}">
-        <p14:creationId xmlns="" xmlns:p14="http://schemas.microsoft.com/office/powerpoint/2010/main" val="1706121706"/>
+        <p14:creationId xmlns:p14="http://schemas.microsoft.com/office/powerpoint/2010/main" xmlns="" val="1706121706"/>
       </p:ext>
     </p:extLst>
   </p:cSld>
@@ -6680,7 +6680,7 @@
           <a:blip r:embed="rId2">
             <a:extLst>
               <a:ext uri="{28A0092B-C50C-407E-A947-70E740481C1C}">
-                <a14:useLocalDpi xmlns="" xmlns:a14="http://schemas.microsoft.com/office/drawing/2010/main" val="0"/>
+                <a14:useLocalDpi xmlns:a14="http://schemas.microsoft.com/office/drawing/2010/main" xmlns="" val="0"/>
               </a:ext>
             </a:extLst>
           </a:blip>
@@ -6840,7 +6840,7 @@
           <a:blip r:embed="rId3">
             <a:extLst>
               <a:ext uri="{28A0092B-C50C-407E-A947-70E740481C1C}">
-                <a14:useLocalDpi xmlns="" xmlns:a14="http://schemas.microsoft.com/office/drawing/2010/main" val="0"/>
+                <a14:useLocalDpi xmlns:a14="http://schemas.microsoft.com/office/drawing/2010/main" xmlns="" val="0"/>
               </a:ext>
             </a:extLst>
           </a:blip>
@@ -6932,7 +6932,7 @@
     </p:spTree>
     <p:extLst>
       <p:ext uri="{BB962C8B-B14F-4D97-AF65-F5344CB8AC3E}">
-        <p14:creationId xmlns="" xmlns:p14="http://schemas.microsoft.com/office/powerpoint/2010/main" val="3486373670"/>
+        <p14:creationId xmlns:p14="http://schemas.microsoft.com/office/powerpoint/2010/main" xmlns="" val="3486373670"/>
       </p:ext>
     </p:extLst>
   </p:cSld>
@@ -7074,7 +7074,7 @@
             <a:fld id="{803C52A3-5B4A-4BC0-9BBF-99EC3C73A44C}" type="datetime1">
               <a:rPr lang="en-US" smtClean="0"/>
               <a:pPr/>
-              <a:t>1/31/2017</a:t>
+              <a:t>5/25/2017</a:t>
             </a:fld>
             <a:endParaRPr lang="en-US" dirty="0"/>
           </a:p>
@@ -7145,7 +7145,7 @@
     </p:spTree>
     <p:extLst>
       <p:ext uri="{BB962C8B-B14F-4D97-AF65-F5344CB8AC3E}">
-        <p14:creationId xmlns="" xmlns:p14="http://schemas.microsoft.com/office/powerpoint/2010/main" val="1167346601"/>
+        <p14:creationId xmlns:p14="http://schemas.microsoft.com/office/powerpoint/2010/main" xmlns="" val="1167346601"/>
       </p:ext>
     </p:extLst>
   </p:cSld>
@@ -7180,7 +7180,7 @@
     </p:spTree>
     <p:extLst>
       <p:ext uri="{BB962C8B-B14F-4D97-AF65-F5344CB8AC3E}">
-        <p14:creationId xmlns="" xmlns:p14="http://schemas.microsoft.com/office/powerpoint/2010/main" val="50226186"/>
+        <p14:creationId xmlns:p14="http://schemas.microsoft.com/office/powerpoint/2010/main" xmlns="" val="50226186"/>
       </p:ext>
     </p:extLst>
   </p:cSld>
@@ -7470,7 +7470,7 @@
     </p:spTree>
     <p:extLst>
       <p:ext uri="{BB962C8B-B14F-4D97-AF65-F5344CB8AC3E}">
-        <p14:creationId xmlns="" xmlns:p14="http://schemas.microsoft.com/office/powerpoint/2010/main" val="4169661476"/>
+        <p14:creationId xmlns:p14="http://schemas.microsoft.com/office/powerpoint/2010/main" xmlns="" val="4169661476"/>
       </p:ext>
     </p:extLst>
   </p:cSld>
@@ -7758,7 +7758,7 @@
     </p:spTree>
     <p:extLst>
       <p:ext uri="{BB962C8B-B14F-4D97-AF65-F5344CB8AC3E}">
-        <p14:creationId xmlns="" xmlns:p14="http://schemas.microsoft.com/office/powerpoint/2010/main" val="1812918313"/>
+        <p14:creationId xmlns:p14="http://schemas.microsoft.com/office/powerpoint/2010/main" xmlns="" val="1812918313"/>
       </p:ext>
     </p:extLst>
   </p:cSld>
@@ -8056,7 +8056,7 @@
           <a:blip r:embed="rId3">
             <a:extLst>
               <a:ext uri="{28A0092B-C50C-407E-A947-70E740481C1C}">
-                <a14:useLocalDpi xmlns="" xmlns:a14="http://schemas.microsoft.com/office/drawing/2010/main" val="0"/>
+                <a14:useLocalDpi xmlns:a14="http://schemas.microsoft.com/office/drawing/2010/main" xmlns="" val="0"/>
               </a:ext>
             </a:extLst>
           </a:blip>
@@ -8363,7 +8363,7 @@
           <a:blip r:embed="rId4">
             <a:extLst>
               <a:ext uri="{28A0092B-C50C-407E-A947-70E740481C1C}">
-                <a14:useLocalDpi xmlns="" xmlns:a14="http://schemas.microsoft.com/office/drawing/2010/main" val="0"/>
+                <a14:useLocalDpi xmlns:a14="http://schemas.microsoft.com/office/drawing/2010/main" xmlns="" val="0"/>
               </a:ext>
             </a:extLst>
           </a:blip>
@@ -8383,7 +8383,7 @@
     </p:spTree>
     <p:extLst>
       <p:ext uri="{BB962C8B-B14F-4D97-AF65-F5344CB8AC3E}">
-        <p14:creationId xmlns="" xmlns:p14="http://schemas.microsoft.com/office/powerpoint/2010/main" val="3864627093"/>
+        <p14:creationId xmlns:p14="http://schemas.microsoft.com/office/powerpoint/2010/main" xmlns="" val="3864627093"/>
       </p:ext>
     </p:extLst>
   </p:cSld>
@@ -9291,7 +9291,7 @@
             </a:ln>
             <a:extLst>
               <a:ext uri="{91240B29-F687-4F45-9708-019B960494DF}">
-                <a14:hiddenLine xmlns="" xmlns:a14="http://schemas.microsoft.com/office/drawing/2010/main" w="9525">
+                <a14:hiddenLine xmlns:a14="http://schemas.microsoft.com/office/drawing/2010/main" xmlns="" w="9525">
                   <a:solidFill>
                     <a:srgbClr val="000000"/>
                   </a:solidFill>
@@ -9339,7 +9339,7 @@
             </a:ln>
             <a:extLst>
               <a:ext uri="{91240B29-F687-4F45-9708-019B960494DF}">
-                <a14:hiddenLine xmlns="" xmlns:a14="http://schemas.microsoft.com/office/drawing/2010/main" w="9525">
+                <a14:hiddenLine xmlns:a14="http://schemas.microsoft.com/office/drawing/2010/main" xmlns="" w="9525">
                   <a:solidFill>
                     <a:srgbClr val="000000"/>
                   </a:solidFill>
@@ -9684,7 +9684,7 @@
             </a:ln>
             <a:extLst>
               <a:ext uri="{91240B29-F687-4F45-9708-019B960494DF}">
-                <a14:hiddenLine xmlns="" xmlns:a14="http://schemas.microsoft.com/office/drawing/2010/main" w="9525">
+                <a14:hiddenLine xmlns:a14="http://schemas.microsoft.com/office/drawing/2010/main" xmlns="" w="9525">
                   <a:solidFill>
                     <a:srgbClr val="000000"/>
                   </a:solidFill>
@@ -9838,7 +9838,7 @@
             </a:ln>
             <a:extLst>
               <a:ext uri="{91240B29-F687-4F45-9708-019B960494DF}">
-                <a14:hiddenLine xmlns="" xmlns:a14="http://schemas.microsoft.com/office/drawing/2010/main" w="9525">
+                <a14:hiddenLine xmlns:a14="http://schemas.microsoft.com/office/drawing/2010/main" xmlns="" w="9525">
                   <a:solidFill>
                     <a:srgbClr val="000000"/>
                   </a:solidFill>
@@ -10074,7 +10074,7 @@
             </a:ln>
             <a:extLst>
               <a:ext uri="{91240B29-F687-4F45-9708-019B960494DF}">
-                <a14:hiddenLine xmlns="" xmlns:a14="http://schemas.microsoft.com/office/drawing/2010/main" w="9525">
+                <a14:hiddenLine xmlns:a14="http://schemas.microsoft.com/office/drawing/2010/main" xmlns="" w="9525">
                   <a:solidFill>
                     <a:srgbClr val="000000"/>
                   </a:solidFill>
@@ -10240,7 +10240,7 @@
             </a:ln>
             <a:extLst>
               <a:ext uri="{91240B29-F687-4F45-9708-019B960494DF}">
-                <a14:hiddenLine xmlns="" xmlns:a14="http://schemas.microsoft.com/office/drawing/2010/main" w="9525">
+                <a14:hiddenLine xmlns:a14="http://schemas.microsoft.com/office/drawing/2010/main" xmlns="" w="9525">
                   <a:solidFill>
                     <a:srgbClr val="000000"/>
                   </a:solidFill>
@@ -10365,7 +10365,7 @@
             </a:ln>
             <a:extLst>
               <a:ext uri="{91240B29-F687-4F45-9708-019B960494DF}">
-                <a14:hiddenLine xmlns="" xmlns:a14="http://schemas.microsoft.com/office/drawing/2010/main" w="9525">
+                <a14:hiddenLine xmlns:a14="http://schemas.microsoft.com/office/drawing/2010/main" xmlns="" w="9525">
                   <a:solidFill>
                     <a:srgbClr val="000000"/>
                   </a:solidFill>
@@ -10631,7 +10631,7 @@
             </a:ln>
             <a:extLst>
               <a:ext uri="{91240B29-F687-4F45-9708-019B960494DF}">
-                <a14:hiddenLine xmlns="" xmlns:a14="http://schemas.microsoft.com/office/drawing/2010/main" w="9525">
+                <a14:hiddenLine xmlns:a14="http://schemas.microsoft.com/office/drawing/2010/main" xmlns="" w="9525">
                   <a:solidFill>
                     <a:srgbClr val="000000"/>
                   </a:solidFill>
@@ -10856,7 +10856,7 @@
             </a:ln>
             <a:extLst>
               <a:ext uri="{91240B29-F687-4F45-9708-019B960494DF}">
-                <a14:hiddenLine xmlns="" xmlns:a14="http://schemas.microsoft.com/office/drawing/2010/main" w="9525">
+                <a14:hiddenLine xmlns:a14="http://schemas.microsoft.com/office/drawing/2010/main" xmlns="" w="9525">
                   <a:solidFill>
                     <a:srgbClr val="000000"/>
                   </a:solidFill>
@@ -11103,7 +11103,7 @@
             </a:ln>
             <a:extLst>
               <a:ext uri="{91240B29-F687-4F45-9708-019B960494DF}">
-                <a14:hiddenLine xmlns="" xmlns:a14="http://schemas.microsoft.com/office/drawing/2010/main" w="9525">
+                <a14:hiddenLine xmlns:a14="http://schemas.microsoft.com/office/drawing/2010/main" xmlns="" w="9525">
                   <a:solidFill>
                     <a:srgbClr val="000000"/>
                   </a:solidFill>
@@ -11318,7 +11318,7 @@
             </a:ln>
             <a:extLst>
               <a:ext uri="{91240B29-F687-4F45-9708-019B960494DF}">
-                <a14:hiddenLine xmlns="" xmlns:a14="http://schemas.microsoft.com/office/drawing/2010/main" w="9525">
+                <a14:hiddenLine xmlns:a14="http://schemas.microsoft.com/office/drawing/2010/main" xmlns="" w="9525">
                   <a:solidFill>
                     <a:srgbClr val="000000"/>
                   </a:solidFill>
@@ -11857,7 +11857,7 @@
             </a:ln>
             <a:extLst>
               <a:ext uri="{91240B29-F687-4F45-9708-019B960494DF}">
-                <a14:hiddenLine xmlns="" xmlns:a14="http://schemas.microsoft.com/office/drawing/2010/main" w="9525">
+                <a14:hiddenLine xmlns:a14="http://schemas.microsoft.com/office/drawing/2010/main" xmlns="" w="9525">
                   <a:solidFill>
                     <a:srgbClr val="000000"/>
                   </a:solidFill>
@@ -11885,7 +11885,7 @@
     </p:spTree>
     <p:extLst>
       <p:ext uri="{BB962C8B-B14F-4D97-AF65-F5344CB8AC3E}">
-        <p14:creationId xmlns="" xmlns:p14="http://schemas.microsoft.com/office/powerpoint/2010/main" val="3832952709"/>
+        <p14:creationId xmlns:p14="http://schemas.microsoft.com/office/powerpoint/2010/main" xmlns="" val="3832952709"/>
       </p:ext>
     </p:extLst>
   </p:cSld>
@@ -12230,7 +12230,7 @@
     </p:spTree>
     <p:extLst>
       <p:ext uri="{BB962C8B-B14F-4D97-AF65-F5344CB8AC3E}">
-        <p14:creationId xmlns="" xmlns:p14="http://schemas.microsoft.com/office/powerpoint/2010/main" val="3050148550"/>
+        <p14:creationId xmlns:p14="http://schemas.microsoft.com/office/powerpoint/2010/main" xmlns="" val="3050148550"/>
       </p:ext>
     </p:extLst>
   </p:cSld>
@@ -12303,14 +12303,14 @@
           <a:effectLst/>
           <a:extLst>
             <a:ext uri="{909E8E84-426E-40DD-AFC4-6F175D3DCCD1}">
-              <a14:hiddenFill xmlns="" xmlns:a14="http://schemas.microsoft.com/office/drawing/2010/main">
+              <a14:hiddenFill xmlns:a14="http://schemas.microsoft.com/office/drawing/2010/main" xmlns="">
                 <a:solidFill>
                   <a:schemeClr val="accent1"/>
                 </a:solidFill>
               </a14:hiddenFill>
             </a:ext>
             <a:ext uri="{91240B29-F687-4F45-9708-019B960494DF}">
-              <a14:hiddenLine xmlns="" xmlns:a14="http://schemas.microsoft.com/office/drawing/2010/main" w="9525">
+              <a14:hiddenLine xmlns:a14="http://schemas.microsoft.com/office/drawing/2010/main" xmlns="" w="9525">
                 <a:solidFill>
                   <a:schemeClr val="tx1"/>
                 </a:solidFill>
@@ -12320,7 +12320,7 @@
               </a14:hiddenLine>
             </a:ext>
             <a:ext uri="{AF507438-7753-43E0-B8FC-AC1667EBCBE1}">
-              <a14:hiddenEffects xmlns="" xmlns:a14="http://schemas.microsoft.com/office/drawing/2010/main">
+              <a14:hiddenEffects xmlns:a14="http://schemas.microsoft.com/office/drawing/2010/main" xmlns="">
                 <a:effectLst>
                   <a:outerShdw dist="35921" dir="2700000" algn="ctr" rotWithShape="0">
                     <a:schemeClr val="bg2"/>
@@ -12355,7 +12355,7 @@
           <a:blip r:embed="rId2">
             <a:extLst>
               <a:ext uri="{28A0092B-C50C-407E-A947-70E740481C1C}">
-                <a14:useLocalDpi xmlns="" xmlns:a14="http://schemas.microsoft.com/office/drawing/2010/main" val="0"/>
+                <a14:useLocalDpi xmlns:a14="http://schemas.microsoft.com/office/drawing/2010/main" xmlns="" val="0"/>
               </a:ext>
             </a:extLst>
           </a:blip>
@@ -12378,14 +12378,14 @@
           </a:ln>
           <a:extLst>
             <a:ext uri="{909E8E84-426E-40DD-AFC4-6F175D3DCCD1}">
-              <a14:hiddenFill xmlns="" xmlns:a14="http://schemas.microsoft.com/office/drawing/2010/main">
+              <a14:hiddenFill xmlns:a14="http://schemas.microsoft.com/office/drawing/2010/main" xmlns="">
                 <a:solidFill>
                   <a:schemeClr val="accent1"/>
                 </a:solidFill>
               </a14:hiddenFill>
             </a:ext>
             <a:ext uri="{91240B29-F687-4F45-9708-019B960494DF}">
-              <a14:hiddenLine xmlns="" xmlns:a14="http://schemas.microsoft.com/office/drawing/2010/main" w="9525">
+              <a14:hiddenLine xmlns:a14="http://schemas.microsoft.com/office/drawing/2010/main" xmlns="" w="9525">
                 <a:solidFill>
                   <a:schemeClr val="tx1"/>
                 </a:solidFill>
@@ -12429,7 +12429,7 @@
     </p:spTree>
     <p:extLst>
       <p:ext uri="{BB962C8B-B14F-4D97-AF65-F5344CB8AC3E}">
-        <p14:creationId xmlns="" xmlns:p14="http://schemas.microsoft.com/office/powerpoint/2010/main" val="3265113348"/>
+        <p14:creationId xmlns:p14="http://schemas.microsoft.com/office/powerpoint/2010/main" xmlns="" val="3265113348"/>
       </p:ext>
     </p:extLst>
   </p:cSld>
@@ -12520,7 +12520,7 @@
           <a:blip r:embed="rId2">
             <a:extLst>
               <a:ext uri="{28A0092B-C50C-407E-A947-70E740481C1C}">
-                <a14:useLocalDpi xmlns="" xmlns:a14="http://schemas.microsoft.com/office/drawing/2010/main" val="0"/>
+                <a14:useLocalDpi xmlns:a14="http://schemas.microsoft.com/office/drawing/2010/main" xmlns="" val="0"/>
               </a:ext>
             </a:extLst>
           </a:blip>
@@ -12543,14 +12543,14 @@
           </a:ln>
           <a:extLst>
             <a:ext uri="{909E8E84-426E-40DD-AFC4-6F175D3DCCD1}">
-              <a14:hiddenFill xmlns="" xmlns:a14="http://schemas.microsoft.com/office/drawing/2010/main">
+              <a14:hiddenFill xmlns:a14="http://schemas.microsoft.com/office/drawing/2010/main" xmlns="">
                 <a:solidFill>
                   <a:schemeClr val="accent1"/>
                 </a:solidFill>
               </a14:hiddenFill>
             </a:ext>
             <a:ext uri="{91240B29-F687-4F45-9708-019B960494DF}">
-              <a14:hiddenLine xmlns="" xmlns:a14="http://schemas.microsoft.com/office/drawing/2010/main" w="9525">
+              <a14:hiddenLine xmlns:a14="http://schemas.microsoft.com/office/drawing/2010/main" xmlns="" w="9525">
                 <a:solidFill>
                   <a:schemeClr val="tx1"/>
                 </a:solidFill>
@@ -12574,7 +12574,7 @@
           <a:blip r:embed="rId3">
             <a:extLst>
               <a:ext uri="{28A0092B-C50C-407E-A947-70E740481C1C}">
-                <a14:useLocalDpi xmlns="" xmlns:a14="http://schemas.microsoft.com/office/drawing/2010/main" val="0"/>
+                <a14:useLocalDpi xmlns:a14="http://schemas.microsoft.com/office/drawing/2010/main" xmlns="" val="0"/>
               </a:ext>
             </a:extLst>
           </a:blip>
@@ -12597,14 +12597,14 @@
           </a:ln>
           <a:extLst>
             <a:ext uri="{909E8E84-426E-40DD-AFC4-6F175D3DCCD1}">
-              <a14:hiddenFill xmlns="" xmlns:a14="http://schemas.microsoft.com/office/drawing/2010/main">
+              <a14:hiddenFill xmlns:a14="http://schemas.microsoft.com/office/drawing/2010/main" xmlns="">
                 <a:solidFill>
                   <a:schemeClr val="accent1"/>
                 </a:solidFill>
               </a14:hiddenFill>
             </a:ext>
             <a:ext uri="{91240B29-F687-4F45-9708-019B960494DF}">
-              <a14:hiddenLine xmlns="" xmlns:a14="http://schemas.microsoft.com/office/drawing/2010/main" w="9525">
+              <a14:hiddenLine xmlns:a14="http://schemas.microsoft.com/office/drawing/2010/main" xmlns="" w="9525">
                 <a:solidFill>
                   <a:schemeClr val="tx1"/>
                 </a:solidFill>
@@ -12648,7 +12648,7 @@
     </p:spTree>
     <p:extLst>
       <p:ext uri="{BB962C8B-B14F-4D97-AF65-F5344CB8AC3E}">
-        <p14:creationId xmlns="" xmlns:p14="http://schemas.microsoft.com/office/powerpoint/2010/main" val="4224471957"/>
+        <p14:creationId xmlns:p14="http://schemas.microsoft.com/office/powerpoint/2010/main" xmlns="" val="4224471957"/>
       </p:ext>
     </p:extLst>
   </p:cSld>
@@ -12739,7 +12739,7 @@
           <a:blip r:embed="rId2">
             <a:extLst>
               <a:ext uri="{28A0092B-C50C-407E-A947-70E740481C1C}">
-                <a14:useLocalDpi xmlns="" xmlns:a14="http://schemas.microsoft.com/office/drawing/2010/main" val="0"/>
+                <a14:useLocalDpi xmlns:a14="http://schemas.microsoft.com/office/drawing/2010/main" xmlns="" val="0"/>
               </a:ext>
             </a:extLst>
           </a:blip>
@@ -12762,14 +12762,14 @@
           </a:ln>
           <a:extLst>
             <a:ext uri="{909E8E84-426E-40DD-AFC4-6F175D3DCCD1}">
-              <a14:hiddenFill xmlns="" xmlns:a14="http://schemas.microsoft.com/office/drawing/2010/main">
+              <a14:hiddenFill xmlns:a14="http://schemas.microsoft.com/office/drawing/2010/main" xmlns="">
                 <a:solidFill>
                   <a:schemeClr val="accent1"/>
                 </a:solidFill>
               </a14:hiddenFill>
             </a:ext>
             <a:ext uri="{91240B29-F687-4F45-9708-019B960494DF}">
-              <a14:hiddenLine xmlns="" xmlns:a14="http://schemas.microsoft.com/office/drawing/2010/main" w="9525">
+              <a14:hiddenLine xmlns:a14="http://schemas.microsoft.com/office/drawing/2010/main" xmlns="" w="9525">
                 <a:solidFill>
                   <a:schemeClr val="tx1"/>
                 </a:solidFill>
@@ -12804,14 +12804,14 @@
           <a:effectLst/>
           <a:extLst>
             <a:ext uri="{909E8E84-426E-40DD-AFC4-6F175D3DCCD1}">
-              <a14:hiddenFill xmlns="" xmlns:a14="http://schemas.microsoft.com/office/drawing/2010/main">
+              <a14:hiddenFill xmlns:a14="http://schemas.microsoft.com/office/drawing/2010/main" xmlns="">
                 <a:solidFill>
                   <a:schemeClr val="accent1"/>
                 </a:solidFill>
               </a14:hiddenFill>
             </a:ext>
             <a:ext uri="{91240B29-F687-4F45-9708-019B960494DF}">
-              <a14:hiddenLine xmlns="" xmlns:a14="http://schemas.microsoft.com/office/drawing/2010/main" w="9525">
+              <a14:hiddenLine xmlns:a14="http://schemas.microsoft.com/office/drawing/2010/main" xmlns="" w="9525">
                 <a:solidFill>
                   <a:schemeClr val="tx1"/>
                 </a:solidFill>
@@ -12821,7 +12821,7 @@
               </a14:hiddenLine>
             </a:ext>
             <a:ext uri="{AF507438-7753-43E0-B8FC-AC1667EBCBE1}">
-              <a14:hiddenEffects xmlns="" xmlns:a14="http://schemas.microsoft.com/office/drawing/2010/main">
+              <a14:hiddenEffects xmlns:a14="http://schemas.microsoft.com/office/drawing/2010/main" xmlns="">
                 <a:effectLst>
                   <a:outerShdw dist="35921" dir="2700000" algn="ctr" rotWithShape="0">
                     <a:schemeClr val="bg2"/>
@@ -12847,7 +12847,7 @@
     </p:spTree>
     <p:extLst>
       <p:ext uri="{BB962C8B-B14F-4D97-AF65-F5344CB8AC3E}">
-        <p14:creationId xmlns="" xmlns:p14="http://schemas.microsoft.com/office/powerpoint/2010/main" val="3200598162"/>
+        <p14:creationId xmlns:p14="http://schemas.microsoft.com/office/powerpoint/2010/main" xmlns="" val="3200598162"/>
       </p:ext>
     </p:extLst>
   </p:cSld>
@@ -12949,14 +12949,14 @@
           <a:effectLst/>
           <a:extLst>
             <a:ext uri="{909E8E84-426E-40DD-AFC4-6F175D3DCCD1}">
-              <a14:hiddenFill xmlns="" xmlns:a14="http://schemas.microsoft.com/office/drawing/2010/main">
+              <a14:hiddenFill xmlns:a14="http://schemas.microsoft.com/office/drawing/2010/main" xmlns="">
                 <a:solidFill>
                   <a:schemeClr val="accent1"/>
                 </a:solidFill>
               </a14:hiddenFill>
             </a:ext>
             <a:ext uri="{91240B29-F687-4F45-9708-019B960494DF}">
-              <a14:hiddenLine xmlns="" xmlns:a14="http://schemas.microsoft.com/office/drawing/2010/main" w="9525">
+              <a14:hiddenLine xmlns:a14="http://schemas.microsoft.com/office/drawing/2010/main" xmlns="" w="9525">
                 <a:solidFill>
                   <a:schemeClr val="tx1"/>
                 </a:solidFill>
@@ -12966,7 +12966,7 @@
               </a14:hiddenLine>
             </a:ext>
             <a:ext uri="{AF507438-7753-43E0-B8FC-AC1667EBCBE1}">
-              <a14:hiddenEffects xmlns="" xmlns:a14="http://schemas.microsoft.com/office/drawing/2010/main">
+              <a14:hiddenEffects xmlns:a14="http://schemas.microsoft.com/office/drawing/2010/main" xmlns="">
                 <a:effectLst>
                   <a:outerShdw dist="35921" dir="2700000" algn="ctr" rotWithShape="0">
                     <a:schemeClr val="bg2"/>
@@ -13001,7 +13001,7 @@
           <a:blip r:embed="rId2">
             <a:extLst>
               <a:ext uri="{28A0092B-C50C-407E-A947-70E740481C1C}">
-                <a14:useLocalDpi xmlns="" xmlns:a14="http://schemas.microsoft.com/office/drawing/2010/main" val="0"/>
+                <a14:useLocalDpi xmlns:a14="http://schemas.microsoft.com/office/drawing/2010/main" xmlns="" val="0"/>
               </a:ext>
             </a:extLst>
           </a:blip>
@@ -13024,14 +13024,14 @@
           </a:ln>
           <a:extLst>
             <a:ext uri="{909E8E84-426E-40DD-AFC4-6F175D3DCCD1}">
-              <a14:hiddenFill xmlns="" xmlns:a14="http://schemas.microsoft.com/office/drawing/2010/main">
+              <a14:hiddenFill xmlns:a14="http://schemas.microsoft.com/office/drawing/2010/main" xmlns="">
                 <a:solidFill>
                   <a:schemeClr val="accent1"/>
                 </a:solidFill>
               </a14:hiddenFill>
             </a:ext>
             <a:ext uri="{91240B29-F687-4F45-9708-019B960494DF}">
-              <a14:hiddenLine xmlns="" xmlns:a14="http://schemas.microsoft.com/office/drawing/2010/main" w="9525">
+              <a14:hiddenLine xmlns:a14="http://schemas.microsoft.com/office/drawing/2010/main" xmlns="" w="9525">
                 <a:solidFill>
                   <a:schemeClr val="tx1"/>
                 </a:solidFill>
@@ -13046,7 +13046,7 @@
     </p:spTree>
     <p:extLst>
       <p:ext uri="{BB962C8B-B14F-4D97-AF65-F5344CB8AC3E}">
-        <p14:creationId xmlns="" xmlns:p14="http://schemas.microsoft.com/office/powerpoint/2010/main" val="2077169050"/>
+        <p14:creationId xmlns:p14="http://schemas.microsoft.com/office/powerpoint/2010/main" xmlns="" val="2077169050"/>
       </p:ext>
     </p:extLst>
   </p:cSld>
@@ -13137,7 +13137,7 @@
           <a:blip r:embed="rId2">
             <a:extLst>
               <a:ext uri="{28A0092B-C50C-407E-A947-70E740481C1C}">
-                <a14:useLocalDpi xmlns="" xmlns:a14="http://schemas.microsoft.com/office/drawing/2010/main" val="0"/>
+                <a14:useLocalDpi xmlns:a14="http://schemas.microsoft.com/office/drawing/2010/main" xmlns="" val="0"/>
               </a:ext>
             </a:extLst>
           </a:blip>
@@ -13160,14 +13160,14 @@
           </a:ln>
           <a:extLst>
             <a:ext uri="{909E8E84-426E-40DD-AFC4-6F175D3DCCD1}">
-              <a14:hiddenFill xmlns="" xmlns:a14="http://schemas.microsoft.com/office/drawing/2010/main">
+              <a14:hiddenFill xmlns:a14="http://schemas.microsoft.com/office/drawing/2010/main" xmlns="">
                 <a:solidFill>
                   <a:schemeClr val="accent1"/>
                 </a:solidFill>
               </a14:hiddenFill>
             </a:ext>
             <a:ext uri="{91240B29-F687-4F45-9708-019B960494DF}">
-              <a14:hiddenLine xmlns="" xmlns:a14="http://schemas.microsoft.com/office/drawing/2010/main" w="9525">
+              <a14:hiddenLine xmlns:a14="http://schemas.microsoft.com/office/drawing/2010/main" xmlns="" w="9525">
                 <a:solidFill>
                   <a:schemeClr val="tx1"/>
                 </a:solidFill>
@@ -13182,7 +13182,7 @@
     </p:spTree>
     <p:extLst>
       <p:ext uri="{BB962C8B-B14F-4D97-AF65-F5344CB8AC3E}">
-        <p14:creationId xmlns="" xmlns:p14="http://schemas.microsoft.com/office/powerpoint/2010/main" val="343792373"/>
+        <p14:creationId xmlns:p14="http://schemas.microsoft.com/office/powerpoint/2010/main" xmlns="" val="343792373"/>
       </p:ext>
     </p:extLst>
   </p:cSld>
@@ -13284,14 +13284,14 @@
           <a:effectLst/>
           <a:extLst>
             <a:ext uri="{909E8E84-426E-40DD-AFC4-6F175D3DCCD1}">
-              <a14:hiddenFill xmlns="" xmlns:a14="http://schemas.microsoft.com/office/drawing/2010/main">
+              <a14:hiddenFill xmlns:a14="http://schemas.microsoft.com/office/drawing/2010/main" xmlns="">
                 <a:solidFill>
                   <a:schemeClr val="accent1"/>
                 </a:solidFill>
               </a14:hiddenFill>
             </a:ext>
             <a:ext uri="{91240B29-F687-4F45-9708-019B960494DF}">
-              <a14:hiddenLine xmlns="" xmlns:a14="http://schemas.microsoft.com/office/drawing/2010/main" w="9525">
+              <a14:hiddenLine xmlns:a14="http://schemas.microsoft.com/office/drawing/2010/main" xmlns="" w="9525">
                 <a:solidFill>
                   <a:schemeClr val="tx1"/>
                 </a:solidFill>
@@ -13301,7 +13301,7 @@
               </a14:hiddenLine>
             </a:ext>
             <a:ext uri="{AF507438-7753-43E0-B8FC-AC1667EBCBE1}">
-              <a14:hiddenEffects xmlns="" xmlns:a14="http://schemas.microsoft.com/office/drawing/2010/main">
+              <a14:hiddenEffects xmlns:a14="http://schemas.microsoft.com/office/drawing/2010/main" xmlns="">
                 <a:effectLst>
                   <a:outerShdw dist="35921" dir="2700000" algn="ctr" rotWithShape="0">
                     <a:schemeClr val="bg2"/>
@@ -13336,7 +13336,7 @@
           <a:blip r:embed="rId2">
             <a:extLst>
               <a:ext uri="{28A0092B-C50C-407E-A947-70E740481C1C}">
-                <a14:useLocalDpi xmlns="" xmlns:a14="http://schemas.microsoft.com/office/drawing/2010/main" val="0"/>
+                <a14:useLocalDpi xmlns:a14="http://schemas.microsoft.com/office/drawing/2010/main" xmlns="" val="0"/>
               </a:ext>
             </a:extLst>
           </a:blip>
@@ -13359,14 +13359,14 @@
           </a:ln>
           <a:extLst>
             <a:ext uri="{909E8E84-426E-40DD-AFC4-6F175D3DCCD1}">
-              <a14:hiddenFill xmlns="" xmlns:a14="http://schemas.microsoft.com/office/drawing/2010/main">
+              <a14:hiddenFill xmlns:a14="http://schemas.microsoft.com/office/drawing/2010/main" xmlns="">
                 <a:solidFill>
                   <a:schemeClr val="accent1"/>
                 </a:solidFill>
               </a14:hiddenFill>
             </a:ext>
             <a:ext uri="{91240B29-F687-4F45-9708-019B960494DF}">
-              <a14:hiddenLine xmlns="" xmlns:a14="http://schemas.microsoft.com/office/drawing/2010/main" w="9525">
+              <a14:hiddenLine xmlns:a14="http://schemas.microsoft.com/office/drawing/2010/main" xmlns="" w="9525">
                 <a:solidFill>
                   <a:schemeClr val="tx1"/>
                 </a:solidFill>
@@ -13381,7 +13381,7 @@
     </p:spTree>
     <p:extLst>
       <p:ext uri="{BB962C8B-B14F-4D97-AF65-F5344CB8AC3E}">
-        <p14:creationId xmlns="" xmlns:p14="http://schemas.microsoft.com/office/powerpoint/2010/main" val="549746479"/>
+        <p14:creationId xmlns:p14="http://schemas.microsoft.com/office/powerpoint/2010/main" xmlns="" val="549746479"/>
       </p:ext>
     </p:extLst>
   </p:cSld>
@@ -13563,7 +13563,7 @@
     </p:spTree>
     <p:extLst>
       <p:ext uri="{BB962C8B-B14F-4D97-AF65-F5344CB8AC3E}">
-        <p14:creationId xmlns="" xmlns:p14="http://schemas.microsoft.com/office/powerpoint/2010/main" val="3848286498"/>
+        <p14:creationId xmlns:p14="http://schemas.microsoft.com/office/powerpoint/2010/main" xmlns="" val="3848286498"/>
       </p:ext>
     </p:extLst>
   </p:cSld>
@@ -13683,7 +13683,7 @@
     </p:spTree>
     <p:extLst>
       <p:ext uri="{BB962C8B-B14F-4D97-AF65-F5344CB8AC3E}">
-        <p14:creationId xmlns="" xmlns:p14="http://schemas.microsoft.com/office/powerpoint/2010/main" val="1459472595"/>
+        <p14:creationId xmlns:p14="http://schemas.microsoft.com/office/powerpoint/2010/main" xmlns="" val="1459472595"/>
       </p:ext>
     </p:extLst>
   </p:cSld>
@@ -13823,7 +13823,7 @@
           <a:blip r:embed="rId2" cstate="print">
             <a:extLst>
               <a:ext uri="{28A0092B-C50C-407E-A947-70E740481C1C}">
-                <a14:useLocalDpi xmlns="" xmlns:a14="http://schemas.microsoft.com/office/drawing/2010/main" val="0"/>
+                <a14:useLocalDpi xmlns:a14="http://schemas.microsoft.com/office/drawing/2010/main" xmlns="" val="0"/>
               </a:ext>
             </a:extLst>
           </a:blip>
@@ -13843,7 +13843,7 @@
           <a:noFill/>
           <a:extLst>
             <a:ext uri="{909E8E84-426E-40DD-AFC4-6F175D3DCCD1}">
-              <a14:hiddenFill xmlns="" xmlns:a14="http://schemas.microsoft.com/office/drawing/2010/main">
+              <a14:hiddenFill xmlns:a14="http://schemas.microsoft.com/office/drawing/2010/main" xmlns="">
                 <a:solidFill>
                   <a:srgbClr val="FFFFFF"/>
                 </a:solidFill>
@@ -13993,7 +13993,7 @@
           <a:blip r:embed="rId3" cstate="print">
             <a:extLst>
               <a:ext uri="{28A0092B-C50C-407E-A947-70E740481C1C}">
-                <a14:useLocalDpi xmlns="" xmlns:a14="http://schemas.microsoft.com/office/drawing/2010/main" val="0"/>
+                <a14:useLocalDpi xmlns:a14="http://schemas.microsoft.com/office/drawing/2010/main" xmlns="" val="0"/>
               </a:ext>
             </a:extLst>
           </a:blip>
@@ -14013,7 +14013,7 @@
           <a:noFill/>
           <a:extLst>
             <a:ext uri="{909E8E84-426E-40DD-AFC4-6F175D3DCCD1}">
-              <a14:hiddenFill xmlns="" xmlns:a14="http://schemas.microsoft.com/office/drawing/2010/main">
+              <a14:hiddenFill xmlns:a14="http://schemas.microsoft.com/office/drawing/2010/main" xmlns="">
                 <a:solidFill>
                   <a:srgbClr val="FFFFFF"/>
                 </a:solidFill>
@@ -14034,7 +14034,7 @@
           <a:blip r:embed="rId4" cstate="print">
             <a:extLst>
               <a:ext uri="{28A0092B-C50C-407E-A947-70E740481C1C}">
-                <a14:useLocalDpi xmlns="" xmlns:a14="http://schemas.microsoft.com/office/drawing/2010/main" val="0"/>
+                <a14:useLocalDpi xmlns:a14="http://schemas.microsoft.com/office/drawing/2010/main" xmlns="" val="0"/>
               </a:ext>
             </a:extLst>
           </a:blip>
@@ -14054,7 +14054,7 @@
           <a:noFill/>
           <a:extLst>
             <a:ext uri="{909E8E84-426E-40DD-AFC4-6F175D3DCCD1}">
-              <a14:hiddenFill xmlns="" xmlns:a14="http://schemas.microsoft.com/office/drawing/2010/main">
+              <a14:hiddenFill xmlns:a14="http://schemas.microsoft.com/office/drawing/2010/main" xmlns="">
                 <a:solidFill>
                   <a:srgbClr val="FFFFFF"/>
                 </a:solidFill>
@@ -14075,7 +14075,7 @@
           <a:blip r:embed="rId5" cstate="print">
             <a:extLst>
               <a:ext uri="{28A0092B-C50C-407E-A947-70E740481C1C}">
-                <a14:useLocalDpi xmlns="" xmlns:a14="http://schemas.microsoft.com/office/drawing/2010/main" val="0"/>
+                <a14:useLocalDpi xmlns:a14="http://schemas.microsoft.com/office/drawing/2010/main" xmlns="" val="0"/>
               </a:ext>
             </a:extLst>
           </a:blip>
@@ -14095,7 +14095,7 @@
           <a:noFill/>
           <a:extLst>
             <a:ext uri="{909E8E84-426E-40DD-AFC4-6F175D3DCCD1}">
-              <a14:hiddenFill xmlns="" xmlns:a14="http://schemas.microsoft.com/office/drawing/2010/main">
+              <a14:hiddenFill xmlns:a14="http://schemas.microsoft.com/office/drawing/2010/main" xmlns="">
                 <a:solidFill>
                   <a:srgbClr val="FFFFFF"/>
                 </a:solidFill>
@@ -14215,7 +14215,7 @@
           <a:blip r:embed="rId2" cstate="print">
             <a:extLst>
               <a:ext uri="{28A0092B-C50C-407E-A947-70E740481C1C}">
-                <a14:useLocalDpi xmlns="" xmlns:a14="http://schemas.microsoft.com/office/drawing/2010/main" val="0"/>
+                <a14:useLocalDpi xmlns:a14="http://schemas.microsoft.com/office/drawing/2010/main" xmlns="" val="0"/>
               </a:ext>
             </a:extLst>
           </a:blip>
@@ -14235,7 +14235,7 @@
           <a:noFill/>
           <a:extLst>
             <a:ext uri="{909E8E84-426E-40DD-AFC4-6F175D3DCCD1}">
-              <a14:hiddenFill xmlns="" xmlns:a14="http://schemas.microsoft.com/office/drawing/2010/main">
+              <a14:hiddenFill xmlns:a14="http://schemas.microsoft.com/office/drawing/2010/main" xmlns="">
                 <a:solidFill>
                   <a:srgbClr val="FFFFFF"/>
                 </a:solidFill>
@@ -14495,7 +14495,7 @@
           <a:blip r:embed="rId6">
             <a:extLst>
               <a:ext uri="{28A0092B-C50C-407E-A947-70E740481C1C}">
-                <a14:useLocalDpi xmlns="" xmlns:a14="http://schemas.microsoft.com/office/drawing/2010/main" val="0"/>
+                <a14:useLocalDpi xmlns:a14="http://schemas.microsoft.com/office/drawing/2010/main" xmlns="" val="0"/>
               </a:ext>
             </a:extLst>
           </a:blip>
@@ -14515,7 +14515,7 @@
           <a:noFill/>
           <a:extLst>
             <a:ext uri="{909E8E84-426E-40DD-AFC4-6F175D3DCCD1}">
-              <a14:hiddenFill xmlns="" xmlns:a14="http://schemas.microsoft.com/office/drawing/2010/main">
+              <a14:hiddenFill xmlns:a14="http://schemas.microsoft.com/office/drawing/2010/main" xmlns="">
                 <a:solidFill>
                   <a:srgbClr val="FFFFFF"/>
                 </a:solidFill>
@@ -14669,7 +14669,7 @@
           <a:blip r:embed="rId7">
             <a:extLst>
               <a:ext uri="{28A0092B-C50C-407E-A947-70E740481C1C}">
-                <a14:useLocalDpi xmlns="" xmlns:a14="http://schemas.microsoft.com/office/drawing/2010/main" val="0"/>
+                <a14:useLocalDpi xmlns:a14="http://schemas.microsoft.com/office/drawing/2010/main" xmlns="" val="0"/>
               </a:ext>
             </a:extLst>
           </a:blip>
@@ -14689,7 +14689,7 @@
           <a:noFill/>
           <a:extLst>
             <a:ext uri="{909E8E84-426E-40DD-AFC4-6F175D3DCCD1}">
-              <a14:hiddenFill xmlns="" xmlns:a14="http://schemas.microsoft.com/office/drawing/2010/main">
+              <a14:hiddenFill xmlns:a14="http://schemas.microsoft.com/office/drawing/2010/main" xmlns="">
                 <a:solidFill>
                   <a:srgbClr val="FFFFFF"/>
                 </a:solidFill>
@@ -14936,7 +14936,7 @@
           <a:blip r:embed="rId7">
             <a:extLst>
               <a:ext uri="{28A0092B-C50C-407E-A947-70E740481C1C}">
-                <a14:useLocalDpi xmlns="" xmlns:a14="http://schemas.microsoft.com/office/drawing/2010/main" val="0"/>
+                <a14:useLocalDpi xmlns:a14="http://schemas.microsoft.com/office/drawing/2010/main" xmlns="" val="0"/>
               </a:ext>
             </a:extLst>
           </a:blip>
@@ -14956,7 +14956,7 @@
           <a:noFill/>
           <a:extLst>
             <a:ext uri="{909E8E84-426E-40DD-AFC4-6F175D3DCCD1}">
-              <a14:hiddenFill xmlns="" xmlns:a14="http://schemas.microsoft.com/office/drawing/2010/main">
+              <a14:hiddenFill xmlns:a14="http://schemas.microsoft.com/office/drawing/2010/main" xmlns="">
                 <a:solidFill>
                   <a:srgbClr val="FFFFFF"/>
                 </a:solidFill>
@@ -14977,7 +14977,7 @@
           <a:blip r:embed="rId7">
             <a:extLst>
               <a:ext uri="{28A0092B-C50C-407E-A947-70E740481C1C}">
-                <a14:useLocalDpi xmlns="" xmlns:a14="http://schemas.microsoft.com/office/drawing/2010/main" val="0"/>
+                <a14:useLocalDpi xmlns:a14="http://schemas.microsoft.com/office/drawing/2010/main" xmlns="" val="0"/>
               </a:ext>
             </a:extLst>
           </a:blip>
@@ -14997,7 +14997,7 @@
           <a:noFill/>
           <a:extLst>
             <a:ext uri="{909E8E84-426E-40DD-AFC4-6F175D3DCCD1}">
-              <a14:hiddenFill xmlns="" xmlns:a14="http://schemas.microsoft.com/office/drawing/2010/main">
+              <a14:hiddenFill xmlns:a14="http://schemas.microsoft.com/office/drawing/2010/main" xmlns="">
                 <a:solidFill>
                   <a:srgbClr val="FFFFFF"/>
                 </a:solidFill>
@@ -15018,7 +15018,7 @@
           <a:blip r:embed="rId7">
             <a:extLst>
               <a:ext uri="{28A0092B-C50C-407E-A947-70E740481C1C}">
-                <a14:useLocalDpi xmlns="" xmlns:a14="http://schemas.microsoft.com/office/drawing/2010/main" val="0"/>
+                <a14:useLocalDpi xmlns:a14="http://schemas.microsoft.com/office/drawing/2010/main" xmlns="" val="0"/>
               </a:ext>
             </a:extLst>
           </a:blip>
@@ -15038,7 +15038,7 @@
           <a:noFill/>
           <a:extLst>
             <a:ext uri="{909E8E84-426E-40DD-AFC4-6F175D3DCCD1}">
-              <a14:hiddenFill xmlns="" xmlns:a14="http://schemas.microsoft.com/office/drawing/2010/main">
+              <a14:hiddenFill xmlns:a14="http://schemas.microsoft.com/office/drawing/2010/main" xmlns="">
                 <a:solidFill>
                   <a:srgbClr val="FFFFFF"/>
                 </a:solidFill>
@@ -15059,7 +15059,7 @@
           <a:blip r:embed="rId8">
             <a:extLst>
               <a:ext uri="{28A0092B-C50C-407E-A947-70E740481C1C}">
-                <a14:useLocalDpi xmlns="" xmlns:a14="http://schemas.microsoft.com/office/drawing/2010/main" val="0"/>
+                <a14:useLocalDpi xmlns:a14="http://schemas.microsoft.com/office/drawing/2010/main" xmlns="" val="0"/>
               </a:ext>
             </a:extLst>
           </a:blip>
@@ -15082,14 +15082,14 @@
           </a:ln>
           <a:extLst>
             <a:ext uri="{909E8E84-426E-40DD-AFC4-6F175D3DCCD1}">
-              <a14:hiddenFill xmlns="" xmlns:a14="http://schemas.microsoft.com/office/drawing/2010/main">
+              <a14:hiddenFill xmlns:a14="http://schemas.microsoft.com/office/drawing/2010/main" xmlns="">
                 <a:solidFill>
                   <a:schemeClr val="accent1"/>
                 </a:solidFill>
               </a14:hiddenFill>
             </a:ext>
             <a:ext uri="{91240B29-F687-4F45-9708-019B960494DF}">
-              <a14:hiddenLine xmlns="" xmlns:a14="http://schemas.microsoft.com/office/drawing/2010/main" w="9525">
+              <a14:hiddenLine xmlns:a14="http://schemas.microsoft.com/office/drawing/2010/main" xmlns="" w="9525">
                 <a:solidFill>
                   <a:schemeClr val="tx1"/>
                 </a:solidFill>
@@ -15172,7 +15172,7 @@
     </p:spTree>
     <p:extLst>
       <p:ext uri="{BB962C8B-B14F-4D97-AF65-F5344CB8AC3E}">
-        <p14:creationId xmlns="" xmlns:p14="http://schemas.microsoft.com/office/powerpoint/2010/main" val="290140102"/>
+        <p14:creationId xmlns:p14="http://schemas.microsoft.com/office/powerpoint/2010/main" xmlns="" val="290140102"/>
       </p:ext>
     </p:extLst>
   </p:cSld>
@@ -15230,7 +15230,7 @@
         </p:nvSpPr>
         <p:spPr>
           <a:xfrm>
-            <a:off x="3162359" y="1661652"/>
+            <a:off x="3771959" y="1661652"/>
             <a:ext cx="2171641" cy="879901"/>
           </a:xfrm>
           <a:prstGeom prst="rect">
@@ -15278,8 +15278,8 @@
         </p:nvSpPr>
         <p:spPr>
           <a:xfrm>
-            <a:off x="1447800" y="1690943"/>
-            <a:ext cx="1556584" cy="646331"/>
+            <a:off x="1643816" y="1651337"/>
+            <a:ext cx="1556584" cy="830997"/>
           </a:xfrm>
           <a:prstGeom prst="rect">
             <a:avLst/>
@@ -15295,7 +15295,22 @@
             <a:pPr algn="ctr"/>
             <a:r>
               <a:rPr lang="en-US" sz="1200" b="1" dirty="0"/>
-              <a:t>create/update articles based on product and category</a:t>
+              <a:t>create/update articles based </a:t>
+            </a:r>
+            <a:r>
+              <a:rPr lang="en-US" sz="1200" b="1" dirty="0" smtClean="0"/>
+              <a:t>on </a:t>
+            </a:r>
+          </a:p>
+          <a:p>
+            <a:pPr algn="ctr"/>
+            <a:r>
+              <a:rPr lang="en-US" sz="1200" b="1" dirty="0" smtClean="0"/>
+              <a:t>product </a:t>
+            </a:r>
+            <a:r>
+              <a:rPr lang="en-US" sz="1200" b="1" dirty="0"/>
+              <a:t>and category</a:t>
             </a:r>
           </a:p>
         </p:txBody>
@@ -15308,7 +15323,7 @@
         </p:nvSpPr>
         <p:spPr>
           <a:xfrm>
-            <a:off x="5943600" y="1890252"/>
+            <a:off x="6451685" y="1890252"/>
             <a:ext cx="1092115" cy="276999"/>
           </a:xfrm>
           <a:prstGeom prst="rect">
@@ -15342,7 +15357,7 @@
           <a:blip r:embed="rId2" cstate="print">
             <a:extLst>
               <a:ext uri="{28A0092B-C50C-407E-A947-70E740481C1C}">
-                <a14:useLocalDpi xmlns="" xmlns:a14="http://schemas.microsoft.com/office/drawing/2010/main" val="0"/>
+                <a14:useLocalDpi xmlns:a14="http://schemas.microsoft.com/office/drawing/2010/main" xmlns="" val="0"/>
               </a:ext>
             </a:extLst>
           </a:blip>
@@ -15362,7 +15377,7 @@
           <a:noFill/>
           <a:extLst>
             <a:ext uri="{909E8E84-426E-40DD-AFC4-6F175D3DCCD1}">
-              <a14:hiddenFill xmlns="" xmlns:a14="http://schemas.microsoft.com/office/drawing/2010/main">
+              <a14:hiddenFill xmlns:a14="http://schemas.microsoft.com/office/drawing/2010/main" xmlns="">
                 <a:solidFill>
                   <a:srgbClr val="FFFFFF"/>
                 </a:solidFill>
@@ -15379,7 +15394,7 @@
         </p:nvSpPr>
         <p:spPr>
           <a:xfrm>
-            <a:off x="7599659" y="2771001"/>
+            <a:off x="7675859" y="2771001"/>
             <a:ext cx="1544341" cy="276999"/>
           </a:xfrm>
           <a:prstGeom prst="rect">
@@ -15395,12 +15410,8 @@
           <a:p>
             <a:pPr algn="ctr"/>
             <a:r>
-              <a:rPr lang="en-US" sz="1200" b="1" dirty="0"/>
-              <a:t>index </a:t>
-            </a:r>
-            <a:r>
               <a:rPr lang="en-US" sz="1200" b="1" dirty="0" smtClean="0"/>
-              <a:t>  articles</a:t>
+              <a:t>   tag   articles</a:t>
             </a:r>
             <a:endParaRPr lang="en-US" sz="1200" b="1" dirty="0"/>
           </a:p>
@@ -15491,7 +15502,7 @@
             </a:duotone>
             <a:extLst>
               <a:ext uri="{28A0092B-C50C-407E-A947-70E740481C1C}">
-                <a14:useLocalDpi xmlns="" xmlns:a14="http://schemas.microsoft.com/office/drawing/2010/main" val="0"/>
+                <a14:useLocalDpi xmlns:a14="http://schemas.microsoft.com/office/drawing/2010/main" xmlns="" val="0"/>
               </a:ext>
             </a:extLst>
           </a:blip>
@@ -15502,7 +15513,7 @@
         </p:blipFill>
         <p:spPr bwMode="auto">
           <a:xfrm>
-            <a:off x="7647882" y="5131907"/>
+            <a:off x="4146174" y="5131907"/>
             <a:ext cx="1264026" cy="1254145"/>
           </a:xfrm>
           <a:prstGeom prst="rect">
@@ -15511,7 +15522,7 @@
           <a:noFill/>
           <a:extLst>
             <a:ext uri="{909E8E84-426E-40DD-AFC4-6F175D3DCCD1}">
-              <a14:hiddenFill xmlns="" xmlns:a14="http://schemas.microsoft.com/office/drawing/2010/main">
+              <a14:hiddenFill xmlns:a14="http://schemas.microsoft.com/office/drawing/2010/main" xmlns="">
                 <a:solidFill>
                   <a:srgbClr val="FFFFFF"/>
                 </a:solidFill>
@@ -15528,7 +15539,7 @@
         </p:nvSpPr>
         <p:spPr>
           <a:xfrm>
-            <a:off x="6998724" y="6352401"/>
+            <a:off x="3048000" y="6352401"/>
             <a:ext cx="2526276" cy="276999"/>
           </a:xfrm>
           <a:prstGeom prst="rect">
@@ -15559,7 +15570,7 @@
         </p:nvCxnSpPr>
         <p:spPr>
           <a:xfrm flipH="1">
-            <a:off x="8407314" y="4093475"/>
+            <a:off x="4978314" y="4093475"/>
             <a:ext cx="1" cy="1011925"/>
           </a:xfrm>
           <a:prstGeom prst="straightConnector1">
@@ -15595,7 +15606,7 @@
         </p:nvCxnSpPr>
         <p:spPr>
           <a:xfrm flipH="1">
-            <a:off x="8178715" y="4093475"/>
+            <a:off x="4800599" y="4093475"/>
             <a:ext cx="1" cy="1011925"/>
           </a:xfrm>
           <a:prstGeom prst="straightConnector1">
@@ -15632,8 +15643,8 @@
         </p:nvSpPr>
         <p:spPr>
           <a:xfrm>
-            <a:off x="7569115" y="4341659"/>
-            <a:ext cx="705064" cy="646331"/>
+            <a:off x="4038600" y="4341659"/>
+            <a:ext cx="806579" cy="461665"/>
           </a:xfrm>
           <a:prstGeom prst="rect">
             <a:avLst/>
@@ -15662,8 +15673,8 @@
         </p:nvSpPr>
         <p:spPr>
           <a:xfrm>
-            <a:off x="8331115" y="4346124"/>
-            <a:ext cx="705064" cy="461665"/>
+            <a:off x="4933736" y="4346124"/>
+            <a:ext cx="857464" cy="461665"/>
           </a:xfrm>
           <a:prstGeom prst="rect">
             <a:avLst/>
@@ -15678,9 +15689,10 @@
           <a:p>
             <a:pPr algn="ctr"/>
             <a:r>
-              <a:rPr lang="en-US" sz="1200" b="1" dirty="0"/>
-              <a:t>Article</a:t>
-            </a:r>
+              <a:rPr lang="en-US" sz="1200" b="1" dirty="0" smtClean="0"/>
+              <a:t>article</a:t>
+            </a:r>
+            <a:endParaRPr lang="en-US" sz="1200" b="1" dirty="0"/>
           </a:p>
           <a:p>
             <a:pPr algn="ctr"/>
@@ -15732,8 +15744,8 @@
         </p:nvCxnSpPr>
         <p:spPr>
           <a:xfrm flipV="1">
-            <a:off x="8911908" y="2590800"/>
-            <a:ext cx="1500902" cy="3168180"/>
+            <a:off x="5410200" y="2590800"/>
+            <a:ext cx="5002610" cy="3168180"/>
           </a:xfrm>
           <a:prstGeom prst="bentConnector2">
             <a:avLst/>
@@ -15768,8 +15780,8 @@
         </p:nvCxnSpPr>
         <p:spPr>
           <a:xfrm flipH="1">
-            <a:off x="6260635" y="5946323"/>
-            <a:ext cx="1371879" cy="1"/>
+            <a:off x="1371602" y="5943600"/>
+            <a:ext cx="2514598" cy="2724"/>
           </a:xfrm>
           <a:prstGeom prst="straightConnector1">
             <a:avLst/>
@@ -15779,43 +15791,6 @@
               <a:schemeClr val="tx1"/>
             </a:solidFill>
             <a:tailEnd type="arrow"/>
-          </a:ln>
-        </p:spPr>
-        <p:style>
-          <a:lnRef idx="1">
-            <a:schemeClr val="accent1"/>
-          </a:lnRef>
-          <a:fillRef idx="0">
-            <a:schemeClr val="accent1"/>
-          </a:fillRef>
-          <a:effectRef idx="0">
-            <a:schemeClr val="accent1"/>
-          </a:effectRef>
-          <a:fontRef idx="minor">
-            <a:schemeClr val="tx1"/>
-          </a:fontRef>
-        </p:style>
-      </p:cxnSp>
-      <p:cxnSp>
-        <p:nvCxnSpPr>
-          <p:cNvPr id="63" name="Straight Arrow Connector 62"/>
-          <p:cNvCxnSpPr/>
-          <p:nvPr/>
-        </p:nvCxnSpPr>
-        <p:spPr>
-          <a:xfrm flipH="1">
-            <a:off x="6260636" y="5758978"/>
-            <a:ext cx="1371879" cy="1"/>
-          </a:xfrm>
-          <a:prstGeom prst="straightConnector1">
-            <a:avLst/>
-          </a:prstGeom>
-          <a:ln>
-            <a:solidFill>
-              <a:schemeClr val="tx1"/>
-            </a:solidFill>
-            <a:headEnd type="arrow"/>
-            <a:tailEnd type="none"/>
           </a:ln>
         </p:spPr>
         <p:style>
@@ -15841,7 +15816,7 @@
         </p:nvSpPr>
         <p:spPr>
           <a:xfrm>
-            <a:off x="6172200" y="5521389"/>
+            <a:off x="1828800" y="5410200"/>
             <a:ext cx="1546573" cy="276999"/>
           </a:xfrm>
           <a:prstGeom prst="rect">
@@ -15871,7 +15846,7 @@
         </p:nvSpPr>
         <p:spPr>
           <a:xfrm>
-            <a:off x="6375075" y="5897925"/>
+            <a:off x="2057400" y="5897925"/>
             <a:ext cx="1143000" cy="276999"/>
           </a:xfrm>
           <a:prstGeom prst="rect">
@@ -15904,8 +15879,8 @@
         </p:nvCxnSpPr>
         <p:spPr>
           <a:xfrm flipV="1">
-            <a:off x="5334000" y="2098571"/>
-            <a:ext cx="2743200" cy="3032"/>
+            <a:off x="5943600" y="2098571"/>
+            <a:ext cx="2133600" cy="3032"/>
           </a:xfrm>
           <a:prstGeom prst="straightConnector1">
             <a:avLst/>
@@ -15951,7 +15926,7 @@
             </a:duotone>
             <a:extLst>
               <a:ext uri="{28A0092B-C50C-407E-A947-70E740481C1C}">
-                <a14:useLocalDpi xmlns="" xmlns:a14="http://schemas.microsoft.com/office/drawing/2010/main" val="0"/>
+                <a14:useLocalDpi xmlns:a14="http://schemas.microsoft.com/office/drawing/2010/main" xmlns="" val="0"/>
               </a:ext>
             </a:extLst>
           </a:blip>
@@ -15962,7 +15937,7 @@
         </p:blipFill>
         <p:spPr bwMode="auto">
           <a:xfrm>
-            <a:off x="3505200" y="1828800"/>
+            <a:off x="4114800" y="1828800"/>
             <a:ext cx="685800" cy="609600"/>
           </a:xfrm>
           <a:prstGeom prst="rect">
@@ -15971,7 +15946,7 @@
           <a:noFill/>
           <a:extLst>
             <a:ext uri="{909E8E84-426E-40DD-AFC4-6F175D3DCCD1}">
-              <a14:hiddenFill xmlns="" xmlns:a14="http://schemas.microsoft.com/office/drawing/2010/main">
+              <a14:hiddenFill xmlns:a14="http://schemas.microsoft.com/office/drawing/2010/main" xmlns="">
                 <a:solidFill>
                   <a:srgbClr val="FFFFFF"/>
                 </a:solidFill>
@@ -15999,7 +15974,7 @@
             </a:duotone>
             <a:extLst>
               <a:ext uri="{28A0092B-C50C-407E-A947-70E740481C1C}">
-                <a14:useLocalDpi xmlns="" xmlns:a14="http://schemas.microsoft.com/office/drawing/2010/main" val="0"/>
+                <a14:useLocalDpi xmlns:a14="http://schemas.microsoft.com/office/drawing/2010/main" xmlns="" val="0"/>
               </a:ext>
             </a:extLst>
           </a:blip>
@@ -16010,7 +15985,7 @@
         </p:blipFill>
         <p:spPr bwMode="auto">
           <a:xfrm>
-            <a:off x="4343400" y="1828800"/>
+            <a:off x="4953000" y="1828800"/>
             <a:ext cx="685800" cy="609600"/>
           </a:xfrm>
           <a:prstGeom prst="rect">
@@ -16019,7 +15994,7 @@
           <a:noFill/>
           <a:extLst>
             <a:ext uri="{909E8E84-426E-40DD-AFC4-6F175D3DCCD1}">
-              <a14:hiddenFill xmlns="" xmlns:a14="http://schemas.microsoft.com/office/drawing/2010/main">
+              <a14:hiddenFill xmlns:a14="http://schemas.microsoft.com/office/drawing/2010/main" xmlns="">
                 <a:solidFill>
                   <a:srgbClr val="FFFFFF"/>
                 </a:solidFill>
@@ -16066,7 +16041,7 @@
         </p:nvSpPr>
         <p:spPr>
           <a:xfrm>
-            <a:off x="2654684" y="2539321"/>
+            <a:off x="3264284" y="2539321"/>
             <a:ext cx="3212716" cy="307777"/>
           </a:xfrm>
           <a:prstGeom prst="rect">
@@ -16101,7 +16076,7 @@
           <a:blip r:embed="rId5">
             <a:extLst>
               <a:ext uri="{28A0092B-C50C-407E-A947-70E740481C1C}">
-                <a14:useLocalDpi xmlns="" xmlns:a14="http://schemas.microsoft.com/office/drawing/2010/main" val="0"/>
+                <a14:useLocalDpi xmlns:a14="http://schemas.microsoft.com/office/drawing/2010/main" xmlns="" val="0"/>
               </a:ext>
             </a:extLst>
           </a:blip>
@@ -16124,14 +16099,14 @@
           </a:ln>
           <a:extLst>
             <a:ext uri="{909E8E84-426E-40DD-AFC4-6F175D3DCCD1}">
-              <a14:hiddenFill xmlns="" xmlns:a14="http://schemas.microsoft.com/office/drawing/2010/main">
+              <a14:hiddenFill xmlns:a14="http://schemas.microsoft.com/office/drawing/2010/main" xmlns="">
                 <a:solidFill>
                   <a:schemeClr val="accent1"/>
                 </a:solidFill>
               </a14:hiddenFill>
             </a:ext>
             <a:ext uri="{91240B29-F687-4F45-9708-019B960494DF}">
-              <a14:hiddenLine xmlns="" xmlns:a14="http://schemas.microsoft.com/office/drawing/2010/main" w="9525">
+              <a14:hiddenLine xmlns:a14="http://schemas.microsoft.com/office/drawing/2010/main" xmlns="" w="9525">
                 <a:solidFill>
                   <a:schemeClr val="tx1"/>
                 </a:solidFill>
@@ -16151,8 +16126,8 @@
         </p:nvCxnSpPr>
         <p:spPr>
           <a:xfrm flipH="1">
-            <a:off x="8305799" y="2438400"/>
-            <a:ext cx="1" cy="1044803"/>
+            <a:off x="8381998" y="2438400"/>
+            <a:ext cx="2" cy="838200"/>
           </a:xfrm>
           <a:prstGeom prst="straightConnector1">
             <a:avLst/>
@@ -16210,44 +16185,6 @@
           </a:p>
         </p:txBody>
       </p:sp>
-      <p:cxnSp>
-        <p:nvCxnSpPr>
-          <p:cNvPr id="81" name="Straight Arrow Connector 80"/>
-          <p:cNvCxnSpPr>
-            <a:endCxn id="44" idx="1"/>
-          </p:cNvCxnSpPr>
-          <p:nvPr/>
-        </p:nvCxnSpPr>
-        <p:spPr>
-          <a:xfrm>
-            <a:off x="1295474" y="2083237"/>
-            <a:ext cx="1866885" cy="18366"/>
-          </a:xfrm>
-          <a:prstGeom prst="straightConnector1">
-            <a:avLst/>
-          </a:prstGeom>
-          <a:ln>
-            <a:solidFill>
-              <a:schemeClr val="tx1"/>
-            </a:solidFill>
-            <a:tailEnd type="arrow"/>
-          </a:ln>
-        </p:spPr>
-        <p:style>
-          <a:lnRef idx="1">
-            <a:schemeClr val="accent1"/>
-          </a:lnRef>
-          <a:fillRef idx="0">
-            <a:schemeClr val="accent1"/>
-          </a:fillRef>
-          <a:effectRef idx="0">
-            <a:schemeClr val="accent1"/>
-          </a:effectRef>
-          <a:fontRef idx="minor">
-            <a:schemeClr val="tx1"/>
-          </a:fontRef>
-        </p:style>
-      </p:cxnSp>
       <p:sp>
         <p:nvSpPr>
           <p:cNvPr id="75" name="TextBox 74"/>
@@ -16256,7 +16193,7 @@
         </p:nvSpPr>
         <p:spPr>
           <a:xfrm>
-            <a:off x="5334000" y="5209401"/>
+            <a:off x="381000" y="5209401"/>
             <a:ext cx="1066800" cy="276999"/>
           </a:xfrm>
           <a:prstGeom prst="rect">
@@ -16300,8 +16237,8 @@
         </p:blipFill>
         <p:spPr bwMode="auto">
           <a:xfrm>
-            <a:off x="5656638" y="5486400"/>
-            <a:ext cx="439362" cy="819150"/>
+            <a:off x="762000" y="5476068"/>
+            <a:ext cx="363162" cy="677082"/>
           </a:xfrm>
           <a:prstGeom prst="rect">
             <a:avLst/>
@@ -16343,8 +16280,8 @@
         </p:nvSpPr>
         <p:spPr>
           <a:xfrm>
-            <a:off x="7620000" y="3581400"/>
-            <a:ext cx="1447800" cy="457200"/>
+            <a:off x="4191000" y="3429000"/>
+            <a:ext cx="1447800" cy="609600"/>
           </a:xfrm>
           <a:prstGeom prst="rect">
             <a:avLst/>
@@ -16399,7 +16336,7 @@
         </p:nvSpPr>
         <p:spPr>
           <a:xfrm>
-            <a:off x="7680881" y="3657600"/>
+            <a:off x="4267200" y="3581400"/>
             <a:ext cx="1345241" cy="292388"/>
           </a:xfrm>
           <a:prstGeom prst="rect">
@@ -16416,16 +16353,450 @@
             <a:pPr algn="ctr"/>
             <a:r>
               <a:rPr lang="en-US" sz="1300" b="1" dirty="0" smtClean="0"/>
-              <a:t>Search Engine</a:t>
+              <a:t>Search </a:t>
+            </a:r>
+            <a:r>
+              <a:rPr lang="en-US" sz="1300" b="1" dirty="0" smtClean="0"/>
+              <a:t>Engine</a:t>
             </a:r>
             <a:endParaRPr lang="en-US" sz="1300" b="1" dirty="0"/>
+          </a:p>
+        </p:txBody>
+      </p:sp>
+      <p:cxnSp>
+        <p:nvCxnSpPr>
+          <p:cNvPr id="61" name="Straight Arrow Connector 60"/>
+          <p:cNvCxnSpPr/>
+          <p:nvPr/>
+        </p:nvCxnSpPr>
+        <p:spPr>
+          <a:xfrm flipV="1">
+            <a:off x="1371600" y="5638800"/>
+            <a:ext cx="2590800" cy="3032"/>
+          </a:xfrm>
+          <a:prstGeom prst="straightConnector1">
+            <a:avLst/>
+          </a:prstGeom>
+          <a:ln>
+            <a:solidFill>
+              <a:schemeClr val="tx1"/>
+            </a:solidFill>
+            <a:tailEnd type="arrow"/>
+          </a:ln>
+        </p:spPr>
+        <p:style>
+          <a:lnRef idx="1">
+            <a:schemeClr val="accent1"/>
+          </a:lnRef>
+          <a:fillRef idx="0">
+            <a:schemeClr val="accent1"/>
+          </a:fillRef>
+          <a:effectRef idx="0">
+            <a:schemeClr val="accent1"/>
+          </a:effectRef>
+          <a:fontRef idx="minor">
+            <a:schemeClr val="tx1"/>
+          </a:fontRef>
+        </p:style>
+      </p:cxnSp>
+      <p:sp>
+        <p:nvSpPr>
+          <p:cNvPr id="69" name="Rectangle 68"/>
+          <p:cNvSpPr/>
+          <p:nvPr/>
+        </p:nvSpPr>
+        <p:spPr>
+          <a:xfrm>
+            <a:off x="7543800" y="3429000"/>
+            <a:ext cx="1600200" cy="609600"/>
+          </a:xfrm>
+          <a:prstGeom prst="rect">
+            <a:avLst/>
+          </a:prstGeom>
+          <a:solidFill>
+            <a:schemeClr val="accent3">
+              <a:lumMod val="75000"/>
+              <a:alpha val="47000"/>
+            </a:schemeClr>
+          </a:solidFill>
+        </p:spPr>
+        <p:style>
+          <a:lnRef idx="1">
+            <a:schemeClr val="accent1"/>
+          </a:lnRef>
+          <a:fillRef idx="3">
+            <a:schemeClr val="accent1"/>
+          </a:fillRef>
+          <a:effectRef idx="2">
+            <a:schemeClr val="accent1"/>
+          </a:effectRef>
+          <a:fontRef idx="minor">
+            <a:schemeClr val="lt1"/>
+          </a:fontRef>
+        </p:style>
+        <p:txBody>
+          <a:bodyPr rtlCol="0" anchor="ctr"/>
+          <a:lstStyle/>
+          <a:p>
+            <a:pPr algn="ctr"/>
+            <a:endParaRPr lang="en-US"/>
+          </a:p>
+        </p:txBody>
+      </p:sp>
+      <p:sp>
+        <p:nvSpPr>
+          <p:cNvPr id="72" name="TextBox 71"/>
+          <p:cNvSpPr txBox="1"/>
+          <p:nvPr/>
+        </p:nvSpPr>
+        <p:spPr>
+          <a:xfrm>
+            <a:off x="7534872" y="3505200"/>
+            <a:ext cx="1609128" cy="492443"/>
+          </a:xfrm>
+          <a:prstGeom prst="rect">
+            <a:avLst/>
+          </a:prstGeom>
+          <a:noFill/>
+        </p:spPr>
+        <p:txBody>
+          <a:bodyPr wrap="square" rtlCol="0">
+            <a:spAutoFit/>
+          </a:bodyPr>
+          <a:lstStyle/>
+          <a:p>
+            <a:pPr algn="ctr"/>
+            <a:r>
+              <a:rPr lang="en-US" sz="1300" b="1" dirty="0" smtClean="0"/>
+              <a:t>Tagged Content </a:t>
+            </a:r>
+          </a:p>
+          <a:p>
+            <a:pPr algn="ctr"/>
+            <a:r>
+              <a:rPr lang="en-US" sz="1300" b="1" dirty="0" smtClean="0"/>
+              <a:t>Repository</a:t>
+            </a:r>
+            <a:endParaRPr lang="en-US" sz="1300" b="1" dirty="0"/>
+          </a:p>
+        </p:txBody>
+      </p:sp>
+      <p:cxnSp>
+        <p:nvCxnSpPr>
+          <p:cNvPr id="82" name="Straight Arrow Connector 81"/>
+          <p:cNvCxnSpPr/>
+          <p:nvPr/>
+        </p:nvCxnSpPr>
+        <p:spPr>
+          <a:xfrm flipH="1">
+            <a:off x="5715000" y="3733800"/>
+            <a:ext cx="1752600" cy="0"/>
+          </a:xfrm>
+          <a:prstGeom prst="straightConnector1">
+            <a:avLst/>
+          </a:prstGeom>
+          <a:ln>
+            <a:solidFill>
+              <a:schemeClr val="tx1"/>
+            </a:solidFill>
+            <a:tailEnd type="arrow"/>
+          </a:ln>
+        </p:spPr>
+        <p:style>
+          <a:lnRef idx="1">
+            <a:schemeClr val="accent1"/>
+          </a:lnRef>
+          <a:fillRef idx="0">
+            <a:schemeClr val="accent1"/>
+          </a:fillRef>
+          <a:effectRef idx="0">
+            <a:schemeClr val="accent1"/>
+          </a:effectRef>
+          <a:fontRef idx="minor">
+            <a:schemeClr val="tx1"/>
+          </a:fontRef>
+        </p:style>
+      </p:cxnSp>
+      <p:sp>
+        <p:nvSpPr>
+          <p:cNvPr id="83" name="TextBox 82"/>
+          <p:cNvSpPr txBox="1"/>
+          <p:nvPr/>
+        </p:nvSpPr>
+        <p:spPr>
+          <a:xfrm>
+            <a:off x="5867400" y="3533001"/>
+            <a:ext cx="1546573" cy="276999"/>
+          </a:xfrm>
+          <a:prstGeom prst="rect">
+            <a:avLst/>
+          </a:prstGeom>
+          <a:noFill/>
+        </p:spPr>
+        <p:txBody>
+          <a:bodyPr wrap="square" rtlCol="0">
+            <a:spAutoFit/>
+          </a:bodyPr>
+          <a:lstStyle/>
+          <a:p>
+            <a:pPr algn="ctr"/>
+            <a:r>
+              <a:rPr lang="en-US" sz="1200" b="1" dirty="0" smtClean="0"/>
+              <a:t>index articles</a:t>
+            </a:r>
+            <a:endParaRPr lang="en-US" sz="1200" b="1" dirty="0"/>
+          </a:p>
+        </p:txBody>
+      </p:sp>
+      <p:sp>
+        <p:nvSpPr>
+          <p:cNvPr id="88" name="Rectangle 87"/>
+          <p:cNvSpPr/>
+          <p:nvPr/>
+        </p:nvSpPr>
+        <p:spPr>
+          <a:xfrm>
+            <a:off x="762000" y="3429000"/>
+            <a:ext cx="1524000" cy="609600"/>
+          </a:xfrm>
+          <a:prstGeom prst="rect">
+            <a:avLst/>
+          </a:prstGeom>
+          <a:solidFill>
+            <a:schemeClr val="accent3">
+              <a:lumMod val="75000"/>
+              <a:alpha val="47000"/>
+            </a:schemeClr>
+          </a:solidFill>
+        </p:spPr>
+        <p:style>
+          <a:lnRef idx="1">
+            <a:schemeClr val="accent1"/>
+          </a:lnRef>
+          <a:fillRef idx="3">
+            <a:schemeClr val="accent1"/>
+          </a:fillRef>
+          <a:effectRef idx="2">
+            <a:schemeClr val="accent1"/>
+          </a:effectRef>
+          <a:fontRef idx="minor">
+            <a:schemeClr val="lt1"/>
+          </a:fontRef>
+        </p:style>
+        <p:txBody>
+          <a:bodyPr rtlCol="0" anchor="ctr"/>
+          <a:lstStyle/>
+          <a:p>
+            <a:pPr algn="ctr"/>
+            <a:endParaRPr lang="en-US"/>
+          </a:p>
+        </p:txBody>
+      </p:sp>
+      <p:sp>
+        <p:nvSpPr>
+          <p:cNvPr id="89" name="TextBox 88"/>
+          <p:cNvSpPr txBox="1"/>
+          <p:nvPr/>
+        </p:nvSpPr>
+        <p:spPr>
+          <a:xfrm>
+            <a:off x="798836" y="3581400"/>
+            <a:ext cx="1410964" cy="292388"/>
+          </a:xfrm>
+          <a:prstGeom prst="rect">
+            <a:avLst/>
+          </a:prstGeom>
+          <a:noFill/>
+        </p:spPr>
+        <p:txBody>
+          <a:bodyPr wrap="none" rtlCol="0">
+            <a:spAutoFit/>
+          </a:bodyPr>
+          <a:lstStyle/>
+          <a:p>
+            <a:pPr algn="ctr"/>
+            <a:r>
+              <a:rPr lang="en-US" sz="1300" b="1" dirty="0" smtClean="0"/>
+              <a:t>Translation API</a:t>
+            </a:r>
+            <a:endParaRPr lang="en-US" sz="1300" b="1" dirty="0"/>
+          </a:p>
+        </p:txBody>
+      </p:sp>
+      <p:cxnSp>
+        <p:nvCxnSpPr>
+          <p:cNvPr id="94" name="Straight Arrow Connector 93"/>
+          <p:cNvCxnSpPr/>
+          <p:nvPr/>
+        </p:nvCxnSpPr>
+        <p:spPr>
+          <a:xfrm flipV="1">
+            <a:off x="1295400" y="2057400"/>
+            <a:ext cx="2362200" cy="3032"/>
+          </a:xfrm>
+          <a:prstGeom prst="straightConnector1">
+            <a:avLst/>
+          </a:prstGeom>
+          <a:ln>
+            <a:solidFill>
+              <a:schemeClr val="tx1"/>
+            </a:solidFill>
+            <a:tailEnd type="arrow"/>
+          </a:ln>
+        </p:spPr>
+        <p:style>
+          <a:lnRef idx="1">
+            <a:schemeClr val="accent1"/>
+          </a:lnRef>
+          <a:fillRef idx="0">
+            <a:schemeClr val="accent1"/>
+          </a:fillRef>
+          <a:effectRef idx="0">
+            <a:schemeClr val="accent1"/>
+          </a:effectRef>
+          <a:fontRef idx="minor">
+            <a:schemeClr val="tx1"/>
+          </a:fontRef>
+        </p:style>
+      </p:cxnSp>
+      <p:cxnSp>
+        <p:nvCxnSpPr>
+          <p:cNvPr id="97" name="Straight Arrow Connector 96"/>
+          <p:cNvCxnSpPr/>
+          <p:nvPr/>
+        </p:nvCxnSpPr>
+        <p:spPr>
+          <a:xfrm flipH="1">
+            <a:off x="2362200" y="3581400"/>
+            <a:ext cx="1676400" cy="0"/>
+          </a:xfrm>
+          <a:prstGeom prst="straightConnector1">
+            <a:avLst/>
+          </a:prstGeom>
+          <a:ln>
+            <a:solidFill>
+              <a:schemeClr val="tx1"/>
+            </a:solidFill>
+            <a:tailEnd type="arrow"/>
+          </a:ln>
+        </p:spPr>
+        <p:style>
+          <a:lnRef idx="1">
+            <a:schemeClr val="accent1"/>
+          </a:lnRef>
+          <a:fillRef idx="0">
+            <a:schemeClr val="accent1"/>
+          </a:fillRef>
+          <a:effectRef idx="0">
+            <a:schemeClr val="accent1"/>
+          </a:effectRef>
+          <a:fontRef idx="minor">
+            <a:schemeClr val="tx1"/>
+          </a:fontRef>
+        </p:style>
+      </p:cxnSp>
+      <p:cxnSp>
+        <p:nvCxnSpPr>
+          <p:cNvPr id="98" name="Straight Arrow Connector 97"/>
+          <p:cNvCxnSpPr/>
+          <p:nvPr/>
+        </p:nvCxnSpPr>
+        <p:spPr>
+          <a:xfrm>
+            <a:off x="2362200" y="3886200"/>
+            <a:ext cx="1676400" cy="0"/>
+          </a:xfrm>
+          <a:prstGeom prst="straightConnector1">
+            <a:avLst/>
+          </a:prstGeom>
+          <a:ln>
+            <a:solidFill>
+              <a:schemeClr val="tx1"/>
+            </a:solidFill>
+            <a:tailEnd type="arrow"/>
+          </a:ln>
+        </p:spPr>
+        <p:style>
+          <a:lnRef idx="1">
+            <a:schemeClr val="accent1"/>
+          </a:lnRef>
+          <a:fillRef idx="0">
+            <a:schemeClr val="accent1"/>
+          </a:fillRef>
+          <a:effectRef idx="0">
+            <a:schemeClr val="accent1"/>
+          </a:effectRef>
+          <a:fontRef idx="minor">
+            <a:schemeClr val="tx1"/>
+          </a:fontRef>
+        </p:style>
+      </p:cxnSp>
+      <p:sp>
+        <p:nvSpPr>
+          <p:cNvPr id="104" name="TextBox 103"/>
+          <p:cNvSpPr txBox="1"/>
+          <p:nvPr/>
+        </p:nvSpPr>
+        <p:spPr>
+          <a:xfrm>
+            <a:off x="2438400" y="3352800"/>
+            <a:ext cx="1546573" cy="461665"/>
+          </a:xfrm>
+          <a:prstGeom prst="rect">
+            <a:avLst/>
+          </a:prstGeom>
+          <a:noFill/>
+        </p:spPr>
+        <p:txBody>
+          <a:bodyPr wrap="square" rtlCol="0">
+            <a:spAutoFit/>
+          </a:bodyPr>
+          <a:lstStyle/>
+          <a:p>
+            <a:pPr algn="ctr"/>
+            <a:r>
+              <a:rPr lang="en-US" sz="1200" b="1" dirty="0" smtClean="0"/>
+              <a:t>search keyword translation</a:t>
+            </a:r>
+            <a:endParaRPr lang="en-US" sz="1200" b="1" dirty="0"/>
+          </a:p>
+        </p:txBody>
+      </p:sp>
+      <p:sp>
+        <p:nvSpPr>
+          <p:cNvPr id="105" name="TextBox 104"/>
+          <p:cNvSpPr txBox="1"/>
+          <p:nvPr/>
+        </p:nvSpPr>
+        <p:spPr>
+          <a:xfrm>
+            <a:off x="2438400" y="3837801"/>
+            <a:ext cx="1546573" cy="276999"/>
+          </a:xfrm>
+          <a:prstGeom prst="rect">
+            <a:avLst/>
+          </a:prstGeom>
+          <a:noFill/>
+        </p:spPr>
+        <p:txBody>
+          <a:bodyPr wrap="square" rtlCol="0">
+            <a:spAutoFit/>
+          </a:bodyPr>
+          <a:lstStyle/>
+          <a:p>
+            <a:pPr algn="ctr"/>
+            <a:r>
+              <a:rPr lang="en-US" sz="1200" b="1" dirty="0" smtClean="0"/>
+              <a:t>Translated text</a:t>
+            </a:r>
+            <a:endParaRPr lang="en-US" sz="1200" b="1" dirty="0"/>
           </a:p>
         </p:txBody>
       </p:sp>
     </p:spTree>
     <p:extLst>
       <p:ext uri="{BB962C8B-B14F-4D97-AF65-F5344CB8AC3E}">
-        <p14:creationId xmlns="" xmlns:p14="http://schemas.microsoft.com/office/powerpoint/2010/main" val="3594892564"/>
+        <p14:creationId xmlns:p14="http://schemas.microsoft.com/office/powerpoint/2010/main" xmlns="" val="3594892564"/>
       </p:ext>
     </p:extLst>
   </p:cSld>
@@ -16583,7 +16954,7 @@
           <a:blip r:embed="rId2" cstate="print">
             <a:extLst>
               <a:ext uri="{28A0092B-C50C-407E-A947-70E740481C1C}">
-                <a14:useLocalDpi xmlns="" xmlns:a14="http://schemas.microsoft.com/office/drawing/2010/main" val="0"/>
+                <a14:useLocalDpi xmlns:a14="http://schemas.microsoft.com/office/drawing/2010/main" xmlns="" val="0"/>
               </a:ext>
             </a:extLst>
           </a:blip>
@@ -16603,7 +16974,7 @@
           <a:noFill/>
           <a:extLst>
             <a:ext uri="{909E8E84-426E-40DD-AFC4-6F175D3DCCD1}">
-              <a14:hiddenFill xmlns="" xmlns:a14="http://schemas.microsoft.com/office/drawing/2010/main">
+              <a14:hiddenFill xmlns:a14="http://schemas.microsoft.com/office/drawing/2010/main" xmlns="">
                 <a:solidFill>
                   <a:srgbClr val="FFFFFF"/>
                 </a:solidFill>
@@ -16723,7 +17094,7 @@
           <a:blip r:embed="rId3">
             <a:extLst>
               <a:ext uri="{28A0092B-C50C-407E-A947-70E740481C1C}">
-                <a14:useLocalDpi xmlns="" xmlns:a14="http://schemas.microsoft.com/office/drawing/2010/main" val="0"/>
+                <a14:useLocalDpi xmlns:a14="http://schemas.microsoft.com/office/drawing/2010/main" xmlns="" val="0"/>
               </a:ext>
             </a:extLst>
           </a:blip>
@@ -16743,7 +17114,7 @@
           <a:noFill/>
           <a:extLst>
             <a:ext uri="{909E8E84-426E-40DD-AFC4-6F175D3DCCD1}">
-              <a14:hiddenFill xmlns="" xmlns:a14="http://schemas.microsoft.com/office/drawing/2010/main">
+              <a14:hiddenFill xmlns:a14="http://schemas.microsoft.com/office/drawing/2010/main" xmlns="">
                 <a:solidFill>
                   <a:srgbClr val="FFFFFF"/>
                 </a:solidFill>
@@ -16950,7 +17321,7 @@
           <a:blip r:embed="rId3">
             <a:extLst>
               <a:ext uri="{28A0092B-C50C-407E-A947-70E740481C1C}">
-                <a14:useLocalDpi xmlns="" xmlns:a14="http://schemas.microsoft.com/office/drawing/2010/main" val="0"/>
+                <a14:useLocalDpi xmlns:a14="http://schemas.microsoft.com/office/drawing/2010/main" xmlns="" val="0"/>
               </a:ext>
             </a:extLst>
           </a:blip>
@@ -16970,7 +17341,7 @@
           <a:noFill/>
           <a:extLst>
             <a:ext uri="{909E8E84-426E-40DD-AFC4-6F175D3DCCD1}">
-              <a14:hiddenFill xmlns="" xmlns:a14="http://schemas.microsoft.com/office/drawing/2010/main">
+              <a14:hiddenFill xmlns:a14="http://schemas.microsoft.com/office/drawing/2010/main" xmlns="">
                 <a:solidFill>
                   <a:srgbClr val="FFFFFF"/>
                 </a:solidFill>
@@ -16991,7 +17362,7 @@
           <a:blip r:embed="rId3">
             <a:extLst>
               <a:ext uri="{28A0092B-C50C-407E-A947-70E740481C1C}">
-                <a14:useLocalDpi xmlns="" xmlns:a14="http://schemas.microsoft.com/office/drawing/2010/main" val="0"/>
+                <a14:useLocalDpi xmlns:a14="http://schemas.microsoft.com/office/drawing/2010/main" xmlns="" val="0"/>
               </a:ext>
             </a:extLst>
           </a:blip>
@@ -17011,7 +17382,7 @@
           <a:noFill/>
           <a:extLst>
             <a:ext uri="{909E8E84-426E-40DD-AFC4-6F175D3DCCD1}">
-              <a14:hiddenFill xmlns="" xmlns:a14="http://schemas.microsoft.com/office/drawing/2010/main">
+              <a14:hiddenFill xmlns:a14="http://schemas.microsoft.com/office/drawing/2010/main" xmlns="">
                 <a:solidFill>
                   <a:srgbClr val="FFFFFF"/>
                 </a:solidFill>
@@ -17032,7 +17403,7 @@
           <a:blip r:embed="rId3">
             <a:extLst>
               <a:ext uri="{28A0092B-C50C-407E-A947-70E740481C1C}">
-                <a14:useLocalDpi xmlns="" xmlns:a14="http://schemas.microsoft.com/office/drawing/2010/main" val="0"/>
+                <a14:useLocalDpi xmlns:a14="http://schemas.microsoft.com/office/drawing/2010/main" xmlns="" val="0"/>
               </a:ext>
             </a:extLst>
           </a:blip>
@@ -17052,7 +17423,7 @@
           <a:noFill/>
           <a:extLst>
             <a:ext uri="{909E8E84-426E-40DD-AFC4-6F175D3DCCD1}">
-              <a14:hiddenFill xmlns="" xmlns:a14="http://schemas.microsoft.com/office/drawing/2010/main">
+              <a14:hiddenFill xmlns:a14="http://schemas.microsoft.com/office/drawing/2010/main" xmlns="">
                 <a:solidFill>
                   <a:srgbClr val="FFFFFF"/>
                 </a:solidFill>
@@ -17163,7 +17534,7 @@
           <a:blip r:embed="rId4" cstate="print">
             <a:extLst>
               <a:ext uri="{28A0092B-C50C-407E-A947-70E740481C1C}">
-                <a14:useLocalDpi xmlns="" xmlns:a14="http://schemas.microsoft.com/office/drawing/2010/main" val="0"/>
+                <a14:useLocalDpi xmlns:a14="http://schemas.microsoft.com/office/drawing/2010/main" xmlns="" val="0"/>
               </a:ext>
             </a:extLst>
           </a:blip>
@@ -17183,7 +17554,7 @@
           <a:noFill/>
           <a:extLst>
             <a:ext uri="{909E8E84-426E-40DD-AFC4-6F175D3DCCD1}">
-              <a14:hiddenFill xmlns="" xmlns:a14="http://schemas.microsoft.com/office/drawing/2010/main">
+              <a14:hiddenFill xmlns:a14="http://schemas.microsoft.com/office/drawing/2010/main" xmlns="">
                 <a:solidFill>
                   <a:srgbClr val="FFFFFF"/>
                 </a:solidFill>
@@ -17204,7 +17575,7 @@
           <a:blip r:embed="rId4" cstate="print">
             <a:extLst>
               <a:ext uri="{28A0092B-C50C-407E-A947-70E740481C1C}">
-                <a14:useLocalDpi xmlns="" xmlns:a14="http://schemas.microsoft.com/office/drawing/2010/main" val="0"/>
+                <a14:useLocalDpi xmlns:a14="http://schemas.microsoft.com/office/drawing/2010/main" xmlns="" val="0"/>
               </a:ext>
             </a:extLst>
           </a:blip>
@@ -17224,7 +17595,7 @@
           <a:noFill/>
           <a:extLst>
             <a:ext uri="{909E8E84-426E-40DD-AFC4-6F175D3DCCD1}">
-              <a14:hiddenFill xmlns="" xmlns:a14="http://schemas.microsoft.com/office/drawing/2010/main">
+              <a14:hiddenFill xmlns:a14="http://schemas.microsoft.com/office/drawing/2010/main" xmlns="">
                 <a:solidFill>
                   <a:srgbClr val="FFFFFF"/>
                 </a:solidFill>
@@ -17245,7 +17616,7 @@
           <a:blip r:embed="rId4" cstate="print">
             <a:extLst>
               <a:ext uri="{28A0092B-C50C-407E-A947-70E740481C1C}">
-                <a14:useLocalDpi xmlns="" xmlns:a14="http://schemas.microsoft.com/office/drawing/2010/main" val="0"/>
+                <a14:useLocalDpi xmlns:a14="http://schemas.microsoft.com/office/drawing/2010/main" xmlns="" val="0"/>
               </a:ext>
             </a:extLst>
           </a:blip>
@@ -17265,7 +17636,7 @@
           <a:noFill/>
           <a:extLst>
             <a:ext uri="{909E8E84-426E-40DD-AFC4-6F175D3DCCD1}">
-              <a14:hiddenFill xmlns="" xmlns:a14="http://schemas.microsoft.com/office/drawing/2010/main">
+              <a14:hiddenFill xmlns:a14="http://schemas.microsoft.com/office/drawing/2010/main" xmlns="">
                 <a:solidFill>
                   <a:srgbClr val="FFFFFF"/>
                 </a:solidFill>
@@ -17286,7 +17657,7 @@
           <a:blip r:embed="rId4" cstate="print">
             <a:extLst>
               <a:ext uri="{28A0092B-C50C-407E-A947-70E740481C1C}">
-                <a14:useLocalDpi xmlns="" xmlns:a14="http://schemas.microsoft.com/office/drawing/2010/main" val="0"/>
+                <a14:useLocalDpi xmlns:a14="http://schemas.microsoft.com/office/drawing/2010/main" xmlns="" val="0"/>
               </a:ext>
             </a:extLst>
           </a:blip>
@@ -17306,7 +17677,7 @@
           <a:noFill/>
           <a:extLst>
             <a:ext uri="{909E8E84-426E-40DD-AFC4-6F175D3DCCD1}">
-              <a14:hiddenFill xmlns="" xmlns:a14="http://schemas.microsoft.com/office/drawing/2010/main">
+              <a14:hiddenFill xmlns:a14="http://schemas.microsoft.com/office/drawing/2010/main" xmlns="">
                 <a:solidFill>
                   <a:srgbClr val="FFFFFF"/>
                 </a:solidFill>
@@ -17387,7 +17758,7 @@
           <a:blip r:embed="rId5" cstate="print">
             <a:extLst>
               <a:ext uri="{28A0092B-C50C-407E-A947-70E740481C1C}">
-                <a14:useLocalDpi xmlns="" xmlns:a14="http://schemas.microsoft.com/office/drawing/2010/main" val="0"/>
+                <a14:useLocalDpi xmlns:a14="http://schemas.microsoft.com/office/drawing/2010/main" xmlns="" val="0"/>
               </a:ext>
             </a:extLst>
           </a:blip>
@@ -17407,7 +17778,7 @@
           <a:noFill/>
           <a:extLst>
             <a:ext uri="{909E8E84-426E-40DD-AFC4-6F175D3DCCD1}">
-              <a14:hiddenFill xmlns="" xmlns:a14="http://schemas.microsoft.com/office/drawing/2010/main">
+              <a14:hiddenFill xmlns:a14="http://schemas.microsoft.com/office/drawing/2010/main" xmlns="">
                 <a:solidFill>
                   <a:srgbClr val="FFFFFF"/>
                 </a:solidFill>
@@ -17566,7 +17937,7 @@
           <a:blip r:embed="rId6">
             <a:extLst>
               <a:ext uri="{28A0092B-C50C-407E-A947-70E740481C1C}">
-                <a14:useLocalDpi xmlns="" xmlns:a14="http://schemas.microsoft.com/office/drawing/2010/main" val="0"/>
+                <a14:useLocalDpi xmlns:a14="http://schemas.microsoft.com/office/drawing/2010/main" xmlns="" val="0"/>
               </a:ext>
             </a:extLst>
           </a:blip>
@@ -17589,14 +17960,14 @@
           </a:ln>
           <a:extLst>
             <a:ext uri="{909E8E84-426E-40DD-AFC4-6F175D3DCCD1}">
-              <a14:hiddenFill xmlns="" xmlns:a14="http://schemas.microsoft.com/office/drawing/2010/main">
+              <a14:hiddenFill xmlns:a14="http://schemas.microsoft.com/office/drawing/2010/main" xmlns="">
                 <a:solidFill>
                   <a:schemeClr val="accent1"/>
                 </a:solidFill>
               </a14:hiddenFill>
             </a:ext>
             <a:ext uri="{91240B29-F687-4F45-9708-019B960494DF}">
-              <a14:hiddenLine xmlns="" xmlns:a14="http://schemas.microsoft.com/office/drawing/2010/main" w="9525">
+              <a14:hiddenLine xmlns:a14="http://schemas.microsoft.com/office/drawing/2010/main" xmlns="" w="9525">
                 <a:solidFill>
                   <a:schemeClr val="tx1"/>
                 </a:solidFill>
@@ -17641,7 +18012,7 @@
     </p:spTree>
     <p:extLst>
       <p:ext uri="{BB962C8B-B14F-4D97-AF65-F5344CB8AC3E}">
-        <p14:creationId xmlns="" xmlns:p14="http://schemas.microsoft.com/office/powerpoint/2010/main" val="2900944216"/>
+        <p14:creationId xmlns:p14="http://schemas.microsoft.com/office/powerpoint/2010/main" xmlns="" val="2900944216"/>
       </p:ext>
     </p:extLst>
   </p:cSld>
@@ -17807,7 +18178,7 @@
     </p:spTree>
     <p:extLst>
       <p:ext uri="{BB962C8B-B14F-4D97-AF65-F5344CB8AC3E}">
-        <p14:creationId xmlns="" xmlns:p14="http://schemas.microsoft.com/office/powerpoint/2010/main" val="3193682091"/>
+        <p14:creationId xmlns:p14="http://schemas.microsoft.com/office/powerpoint/2010/main" xmlns="" val="3193682091"/>
       </p:ext>
     </p:extLst>
   </p:cSld>
@@ -18158,7 +18529,7 @@
     </p:spTree>
     <p:extLst>
       <p:ext uri="{BB962C8B-B14F-4D97-AF65-F5344CB8AC3E}">
-        <p14:creationId xmlns="" xmlns:p14="http://schemas.microsoft.com/office/powerpoint/2010/main" val="1297323418"/>
+        <p14:creationId xmlns:p14="http://schemas.microsoft.com/office/powerpoint/2010/main" xmlns="" val="1297323418"/>
       </p:ext>
     </p:extLst>
   </p:cSld>
@@ -18210,7 +18581,7 @@
     </p:spTree>
     <p:extLst>
       <p:ext uri="{BB962C8B-B14F-4D97-AF65-F5344CB8AC3E}">
-        <p14:creationId xmlns="" xmlns:p14="http://schemas.microsoft.com/office/powerpoint/2010/main" val="3457669820"/>
+        <p14:creationId xmlns:p14="http://schemas.microsoft.com/office/powerpoint/2010/main" xmlns="" val="3457669820"/>
       </p:ext>
     </p:extLst>
   </p:cSld>
